--- a/jhk/반려동물관리서비스_전현규.pptx
+++ b/jhk/반려동물관리서비스_전현규.pptx
@@ -140,7 +140,7 @@
           <p:cNvPr id="2" name="제목 1">
             <a:extLst>
               <a:ext uri="{FF2B5EF4-FFF2-40B4-BE49-F238E27FC236}">
-                <a16:creationId xmlns="" xmlns:a16="http://schemas.microsoft.com/office/drawing/2014/main" id="{9E5E4632-E9C2-430D-8860-5B671341959C}"/>
+                <a16:creationId xmlns:a16="http://schemas.microsoft.com/office/drawing/2014/main" xmlns="" id="{9E5E4632-E9C2-430D-8860-5B671341959C}"/>
               </a:ext>
             </a:extLst>
           </p:cNvPr>
@@ -177,7 +177,7 @@
           <p:cNvPr id="3" name="부제목 2">
             <a:extLst>
               <a:ext uri="{FF2B5EF4-FFF2-40B4-BE49-F238E27FC236}">
-                <a16:creationId xmlns="" xmlns:a16="http://schemas.microsoft.com/office/drawing/2014/main" id="{8516A487-29F9-4EB6-A4BF-CF7F6C176945}"/>
+                <a16:creationId xmlns:a16="http://schemas.microsoft.com/office/drawing/2014/main" xmlns="" id="{8516A487-29F9-4EB6-A4BF-CF7F6C176945}"/>
               </a:ext>
             </a:extLst>
           </p:cNvPr>
@@ -247,7 +247,7 @@
           <p:cNvPr id="4" name="날짜 개체 틀 3">
             <a:extLst>
               <a:ext uri="{FF2B5EF4-FFF2-40B4-BE49-F238E27FC236}">
-                <a16:creationId xmlns="" xmlns:a16="http://schemas.microsoft.com/office/drawing/2014/main" id="{5458794D-BF22-4D43-9B43-3407B0731DF3}"/>
+                <a16:creationId xmlns:a16="http://schemas.microsoft.com/office/drawing/2014/main" xmlns="" id="{5458794D-BF22-4D43-9B43-3407B0731DF3}"/>
               </a:ext>
             </a:extLst>
           </p:cNvPr>
@@ -276,7 +276,7 @@
           <p:cNvPr id="5" name="바닥글 개체 틀 4">
             <a:extLst>
               <a:ext uri="{FF2B5EF4-FFF2-40B4-BE49-F238E27FC236}">
-                <a16:creationId xmlns="" xmlns:a16="http://schemas.microsoft.com/office/drawing/2014/main" id="{B1CF189C-4CDA-41C3-A048-F232B4C4B8D2}"/>
+                <a16:creationId xmlns:a16="http://schemas.microsoft.com/office/drawing/2014/main" xmlns="" id="{B1CF189C-4CDA-41C3-A048-F232B4C4B8D2}"/>
               </a:ext>
             </a:extLst>
           </p:cNvPr>
@@ -301,7 +301,7 @@
           <p:cNvPr id="6" name="슬라이드 번호 개체 틀 5">
             <a:extLst>
               <a:ext uri="{FF2B5EF4-FFF2-40B4-BE49-F238E27FC236}">
-                <a16:creationId xmlns="" xmlns:a16="http://schemas.microsoft.com/office/drawing/2014/main" id="{BAF061BA-CD52-4A93-9968-2D177FB0947C}"/>
+                <a16:creationId xmlns:a16="http://schemas.microsoft.com/office/drawing/2014/main" xmlns="" id="{BAF061BA-CD52-4A93-9968-2D177FB0947C}"/>
               </a:ext>
             </a:extLst>
           </p:cNvPr>
@@ -360,7 +360,7 @@
           <p:cNvPr id="2" name="제목 1">
             <a:extLst>
               <a:ext uri="{FF2B5EF4-FFF2-40B4-BE49-F238E27FC236}">
-                <a16:creationId xmlns="" xmlns:a16="http://schemas.microsoft.com/office/drawing/2014/main" id="{C7E2F226-2DB6-4832-A3E8-E1A82BC8412B}"/>
+                <a16:creationId xmlns:a16="http://schemas.microsoft.com/office/drawing/2014/main" xmlns="" id="{C7E2F226-2DB6-4832-A3E8-E1A82BC8412B}"/>
               </a:ext>
             </a:extLst>
           </p:cNvPr>
@@ -388,7 +388,7 @@
           <p:cNvPr id="3" name="세로 텍스트 개체 틀 2">
             <a:extLst>
               <a:ext uri="{FF2B5EF4-FFF2-40B4-BE49-F238E27FC236}">
-                <a16:creationId xmlns="" xmlns:a16="http://schemas.microsoft.com/office/drawing/2014/main" id="{35E32266-CD01-4901-8FE7-5010FC0706F7}"/>
+                <a16:creationId xmlns:a16="http://schemas.microsoft.com/office/drawing/2014/main" xmlns="" id="{35E32266-CD01-4901-8FE7-5010FC0706F7}"/>
               </a:ext>
             </a:extLst>
           </p:cNvPr>
@@ -445,7 +445,7 @@
           <p:cNvPr id="4" name="날짜 개체 틀 3">
             <a:extLst>
               <a:ext uri="{FF2B5EF4-FFF2-40B4-BE49-F238E27FC236}">
-                <a16:creationId xmlns="" xmlns:a16="http://schemas.microsoft.com/office/drawing/2014/main" id="{8918B274-9924-4562-A19B-0EF8383C8F5F}"/>
+                <a16:creationId xmlns:a16="http://schemas.microsoft.com/office/drawing/2014/main" xmlns="" id="{8918B274-9924-4562-A19B-0EF8383C8F5F}"/>
               </a:ext>
             </a:extLst>
           </p:cNvPr>
@@ -474,7 +474,7 @@
           <p:cNvPr id="5" name="바닥글 개체 틀 4">
             <a:extLst>
               <a:ext uri="{FF2B5EF4-FFF2-40B4-BE49-F238E27FC236}">
-                <a16:creationId xmlns="" xmlns:a16="http://schemas.microsoft.com/office/drawing/2014/main" id="{48ABDFFA-1327-4FDA-A13E-DCF7D4AB5F2C}"/>
+                <a16:creationId xmlns:a16="http://schemas.microsoft.com/office/drawing/2014/main" xmlns="" id="{48ABDFFA-1327-4FDA-A13E-DCF7D4AB5F2C}"/>
               </a:ext>
             </a:extLst>
           </p:cNvPr>
@@ -499,7 +499,7 @@
           <p:cNvPr id="6" name="슬라이드 번호 개체 틀 5">
             <a:extLst>
               <a:ext uri="{FF2B5EF4-FFF2-40B4-BE49-F238E27FC236}">
-                <a16:creationId xmlns="" xmlns:a16="http://schemas.microsoft.com/office/drawing/2014/main" id="{7E941122-80C3-410F-B4B5-38B3C974463E}"/>
+                <a16:creationId xmlns:a16="http://schemas.microsoft.com/office/drawing/2014/main" xmlns="" id="{7E941122-80C3-410F-B4B5-38B3C974463E}"/>
               </a:ext>
             </a:extLst>
           </p:cNvPr>
@@ -558,7 +558,7 @@
           <p:cNvPr id="2" name="세로 제목 1">
             <a:extLst>
               <a:ext uri="{FF2B5EF4-FFF2-40B4-BE49-F238E27FC236}">
-                <a16:creationId xmlns="" xmlns:a16="http://schemas.microsoft.com/office/drawing/2014/main" id="{F39004B4-A2BB-4353-9490-3CFBF08BEECF}"/>
+                <a16:creationId xmlns:a16="http://schemas.microsoft.com/office/drawing/2014/main" xmlns="" id="{F39004B4-A2BB-4353-9490-3CFBF08BEECF}"/>
               </a:ext>
             </a:extLst>
           </p:cNvPr>
@@ -591,7 +591,7 @@
           <p:cNvPr id="3" name="세로 텍스트 개체 틀 2">
             <a:extLst>
               <a:ext uri="{FF2B5EF4-FFF2-40B4-BE49-F238E27FC236}">
-                <a16:creationId xmlns="" xmlns:a16="http://schemas.microsoft.com/office/drawing/2014/main" id="{17E252EA-6994-4BCF-9119-33B60AFB14F3}"/>
+                <a16:creationId xmlns:a16="http://schemas.microsoft.com/office/drawing/2014/main" xmlns="" id="{17E252EA-6994-4BCF-9119-33B60AFB14F3}"/>
               </a:ext>
             </a:extLst>
           </p:cNvPr>
@@ -653,7 +653,7 @@
           <p:cNvPr id="4" name="날짜 개체 틀 3">
             <a:extLst>
               <a:ext uri="{FF2B5EF4-FFF2-40B4-BE49-F238E27FC236}">
-                <a16:creationId xmlns="" xmlns:a16="http://schemas.microsoft.com/office/drawing/2014/main" id="{205F8584-D66D-4296-852C-CFABE2A758E0}"/>
+                <a16:creationId xmlns:a16="http://schemas.microsoft.com/office/drawing/2014/main" xmlns="" id="{205F8584-D66D-4296-852C-CFABE2A758E0}"/>
               </a:ext>
             </a:extLst>
           </p:cNvPr>
@@ -682,7 +682,7 @@
           <p:cNvPr id="5" name="바닥글 개체 틀 4">
             <a:extLst>
               <a:ext uri="{FF2B5EF4-FFF2-40B4-BE49-F238E27FC236}">
-                <a16:creationId xmlns="" xmlns:a16="http://schemas.microsoft.com/office/drawing/2014/main" id="{A78C3D8F-5F5B-47A5-9BBC-6F058C6ECD7E}"/>
+                <a16:creationId xmlns:a16="http://schemas.microsoft.com/office/drawing/2014/main" xmlns="" id="{A78C3D8F-5F5B-47A5-9BBC-6F058C6ECD7E}"/>
               </a:ext>
             </a:extLst>
           </p:cNvPr>
@@ -707,7 +707,7 @@
           <p:cNvPr id="6" name="슬라이드 번호 개체 틀 5">
             <a:extLst>
               <a:ext uri="{FF2B5EF4-FFF2-40B4-BE49-F238E27FC236}">
-                <a16:creationId xmlns="" xmlns:a16="http://schemas.microsoft.com/office/drawing/2014/main" id="{7E72ED3D-DC97-4CF5-A83F-A0F4CD5D3061}"/>
+                <a16:creationId xmlns:a16="http://schemas.microsoft.com/office/drawing/2014/main" xmlns="" id="{7E72ED3D-DC97-4CF5-A83F-A0F4CD5D3061}"/>
               </a:ext>
             </a:extLst>
           </p:cNvPr>
@@ -766,7 +766,7 @@
           <p:cNvPr id="2" name="제목 1">
             <a:extLst>
               <a:ext uri="{FF2B5EF4-FFF2-40B4-BE49-F238E27FC236}">
-                <a16:creationId xmlns="" xmlns:a16="http://schemas.microsoft.com/office/drawing/2014/main" id="{2478CD97-4610-41D5-9293-07E4F7EF8330}"/>
+                <a16:creationId xmlns:a16="http://schemas.microsoft.com/office/drawing/2014/main" xmlns="" id="{2478CD97-4610-41D5-9293-07E4F7EF8330}"/>
               </a:ext>
             </a:extLst>
           </p:cNvPr>
@@ -794,7 +794,7 @@
           <p:cNvPr id="3" name="내용 개체 틀 2">
             <a:extLst>
               <a:ext uri="{FF2B5EF4-FFF2-40B4-BE49-F238E27FC236}">
-                <a16:creationId xmlns="" xmlns:a16="http://schemas.microsoft.com/office/drawing/2014/main" id="{A4761A08-28DB-4E61-B23C-47F9FF94B03B}"/>
+                <a16:creationId xmlns:a16="http://schemas.microsoft.com/office/drawing/2014/main" xmlns="" id="{A4761A08-28DB-4E61-B23C-47F9FF94B03B}"/>
               </a:ext>
             </a:extLst>
           </p:cNvPr>
@@ -851,7 +851,7 @@
           <p:cNvPr id="4" name="날짜 개체 틀 3">
             <a:extLst>
               <a:ext uri="{FF2B5EF4-FFF2-40B4-BE49-F238E27FC236}">
-                <a16:creationId xmlns="" xmlns:a16="http://schemas.microsoft.com/office/drawing/2014/main" id="{8A0B1E4E-9D0C-4F38-8350-90F7893A1DD4}"/>
+                <a16:creationId xmlns:a16="http://schemas.microsoft.com/office/drawing/2014/main" xmlns="" id="{8A0B1E4E-9D0C-4F38-8350-90F7893A1DD4}"/>
               </a:ext>
             </a:extLst>
           </p:cNvPr>
@@ -880,7 +880,7 @@
           <p:cNvPr id="5" name="바닥글 개체 틀 4">
             <a:extLst>
               <a:ext uri="{FF2B5EF4-FFF2-40B4-BE49-F238E27FC236}">
-                <a16:creationId xmlns="" xmlns:a16="http://schemas.microsoft.com/office/drawing/2014/main" id="{3EB51119-FFCC-46AF-9F51-2823DEF4A6AF}"/>
+                <a16:creationId xmlns:a16="http://schemas.microsoft.com/office/drawing/2014/main" xmlns="" id="{3EB51119-FFCC-46AF-9F51-2823DEF4A6AF}"/>
               </a:ext>
             </a:extLst>
           </p:cNvPr>
@@ -905,7 +905,7 @@
           <p:cNvPr id="6" name="슬라이드 번호 개체 틀 5">
             <a:extLst>
               <a:ext uri="{FF2B5EF4-FFF2-40B4-BE49-F238E27FC236}">
-                <a16:creationId xmlns="" xmlns:a16="http://schemas.microsoft.com/office/drawing/2014/main" id="{5E5C2C86-356F-4ACF-9EEC-3B3D8462A39C}"/>
+                <a16:creationId xmlns:a16="http://schemas.microsoft.com/office/drawing/2014/main" xmlns="" id="{5E5C2C86-356F-4ACF-9EEC-3B3D8462A39C}"/>
               </a:ext>
             </a:extLst>
           </p:cNvPr>
@@ -964,7 +964,7 @@
           <p:cNvPr id="2" name="제목 1">
             <a:extLst>
               <a:ext uri="{FF2B5EF4-FFF2-40B4-BE49-F238E27FC236}">
-                <a16:creationId xmlns="" xmlns:a16="http://schemas.microsoft.com/office/drawing/2014/main" id="{DBF78962-7159-4DAF-9E07-D4AC9AFA9BC1}"/>
+                <a16:creationId xmlns:a16="http://schemas.microsoft.com/office/drawing/2014/main" xmlns="" id="{DBF78962-7159-4DAF-9E07-D4AC9AFA9BC1}"/>
               </a:ext>
             </a:extLst>
           </p:cNvPr>
@@ -1001,7 +1001,7 @@
           <p:cNvPr id="3" name="텍스트 개체 틀 2">
             <a:extLst>
               <a:ext uri="{FF2B5EF4-FFF2-40B4-BE49-F238E27FC236}">
-                <a16:creationId xmlns="" xmlns:a16="http://schemas.microsoft.com/office/drawing/2014/main" id="{FAB5D699-135E-49BA-9606-CB890CD5D6CE}"/>
+                <a16:creationId xmlns:a16="http://schemas.microsoft.com/office/drawing/2014/main" xmlns="" id="{FAB5D699-135E-49BA-9606-CB890CD5D6CE}"/>
               </a:ext>
             </a:extLst>
           </p:cNvPr>
@@ -1126,7 +1126,7 @@
           <p:cNvPr id="4" name="날짜 개체 틀 3">
             <a:extLst>
               <a:ext uri="{FF2B5EF4-FFF2-40B4-BE49-F238E27FC236}">
-                <a16:creationId xmlns="" xmlns:a16="http://schemas.microsoft.com/office/drawing/2014/main" id="{3717AFA4-E80B-48F1-B566-3D5FA0DCC2E5}"/>
+                <a16:creationId xmlns:a16="http://schemas.microsoft.com/office/drawing/2014/main" xmlns="" id="{3717AFA4-E80B-48F1-B566-3D5FA0DCC2E5}"/>
               </a:ext>
             </a:extLst>
           </p:cNvPr>
@@ -1155,7 +1155,7 @@
           <p:cNvPr id="5" name="바닥글 개체 틀 4">
             <a:extLst>
               <a:ext uri="{FF2B5EF4-FFF2-40B4-BE49-F238E27FC236}">
-                <a16:creationId xmlns="" xmlns:a16="http://schemas.microsoft.com/office/drawing/2014/main" id="{530C7227-51F8-4DD4-93DC-2046C220BC2B}"/>
+                <a16:creationId xmlns:a16="http://schemas.microsoft.com/office/drawing/2014/main" xmlns="" id="{530C7227-51F8-4DD4-93DC-2046C220BC2B}"/>
               </a:ext>
             </a:extLst>
           </p:cNvPr>
@@ -1180,7 +1180,7 @@
           <p:cNvPr id="6" name="슬라이드 번호 개체 틀 5">
             <a:extLst>
               <a:ext uri="{FF2B5EF4-FFF2-40B4-BE49-F238E27FC236}">
-                <a16:creationId xmlns="" xmlns:a16="http://schemas.microsoft.com/office/drawing/2014/main" id="{CF23AE0C-87AE-419F-8C21-C05064D5F98B}"/>
+                <a16:creationId xmlns:a16="http://schemas.microsoft.com/office/drawing/2014/main" xmlns="" id="{CF23AE0C-87AE-419F-8C21-C05064D5F98B}"/>
               </a:ext>
             </a:extLst>
           </p:cNvPr>
@@ -1239,7 +1239,7 @@
           <p:cNvPr id="2" name="제목 1">
             <a:extLst>
               <a:ext uri="{FF2B5EF4-FFF2-40B4-BE49-F238E27FC236}">
-                <a16:creationId xmlns="" xmlns:a16="http://schemas.microsoft.com/office/drawing/2014/main" id="{EF53F05C-1B53-4997-8D4F-574B40BFB6D2}"/>
+                <a16:creationId xmlns:a16="http://schemas.microsoft.com/office/drawing/2014/main" xmlns="" id="{EF53F05C-1B53-4997-8D4F-574B40BFB6D2}"/>
               </a:ext>
             </a:extLst>
           </p:cNvPr>
@@ -1267,7 +1267,7 @@
           <p:cNvPr id="3" name="내용 개체 틀 2">
             <a:extLst>
               <a:ext uri="{FF2B5EF4-FFF2-40B4-BE49-F238E27FC236}">
-                <a16:creationId xmlns="" xmlns:a16="http://schemas.microsoft.com/office/drawing/2014/main" id="{F2EE759F-A91E-45FB-BC0F-52B204A43CE5}"/>
+                <a16:creationId xmlns:a16="http://schemas.microsoft.com/office/drawing/2014/main" xmlns="" id="{F2EE759F-A91E-45FB-BC0F-52B204A43CE5}"/>
               </a:ext>
             </a:extLst>
           </p:cNvPr>
@@ -1329,7 +1329,7 @@
           <p:cNvPr id="4" name="내용 개체 틀 3">
             <a:extLst>
               <a:ext uri="{FF2B5EF4-FFF2-40B4-BE49-F238E27FC236}">
-                <a16:creationId xmlns="" xmlns:a16="http://schemas.microsoft.com/office/drawing/2014/main" id="{CBA814ED-B083-468B-A3B1-B0834E8C8212}"/>
+                <a16:creationId xmlns:a16="http://schemas.microsoft.com/office/drawing/2014/main" xmlns="" id="{CBA814ED-B083-468B-A3B1-B0834E8C8212}"/>
               </a:ext>
             </a:extLst>
           </p:cNvPr>
@@ -1391,7 +1391,7 @@
           <p:cNvPr id="5" name="날짜 개체 틀 4">
             <a:extLst>
               <a:ext uri="{FF2B5EF4-FFF2-40B4-BE49-F238E27FC236}">
-                <a16:creationId xmlns="" xmlns:a16="http://schemas.microsoft.com/office/drawing/2014/main" id="{877DEBD2-BAE9-4C14-A7E8-517148C14EED}"/>
+                <a16:creationId xmlns:a16="http://schemas.microsoft.com/office/drawing/2014/main" xmlns="" id="{877DEBD2-BAE9-4C14-A7E8-517148C14EED}"/>
               </a:ext>
             </a:extLst>
           </p:cNvPr>
@@ -1420,7 +1420,7 @@
           <p:cNvPr id="6" name="바닥글 개체 틀 5">
             <a:extLst>
               <a:ext uri="{FF2B5EF4-FFF2-40B4-BE49-F238E27FC236}">
-                <a16:creationId xmlns="" xmlns:a16="http://schemas.microsoft.com/office/drawing/2014/main" id="{2F72D31F-47DB-4B78-B8CC-AB9D0A4DCEC0}"/>
+                <a16:creationId xmlns:a16="http://schemas.microsoft.com/office/drawing/2014/main" xmlns="" id="{2F72D31F-47DB-4B78-B8CC-AB9D0A4DCEC0}"/>
               </a:ext>
             </a:extLst>
           </p:cNvPr>
@@ -1445,7 +1445,7 @@
           <p:cNvPr id="7" name="슬라이드 번호 개체 틀 6">
             <a:extLst>
               <a:ext uri="{FF2B5EF4-FFF2-40B4-BE49-F238E27FC236}">
-                <a16:creationId xmlns="" xmlns:a16="http://schemas.microsoft.com/office/drawing/2014/main" id="{F1B67971-49C1-46A6-BFE1-F14E5E9F87CF}"/>
+                <a16:creationId xmlns:a16="http://schemas.microsoft.com/office/drawing/2014/main" xmlns="" id="{F1B67971-49C1-46A6-BFE1-F14E5E9F87CF}"/>
               </a:ext>
             </a:extLst>
           </p:cNvPr>
@@ -1504,7 +1504,7 @@
           <p:cNvPr id="2" name="제목 1">
             <a:extLst>
               <a:ext uri="{FF2B5EF4-FFF2-40B4-BE49-F238E27FC236}">
-                <a16:creationId xmlns="" xmlns:a16="http://schemas.microsoft.com/office/drawing/2014/main" id="{E54246B1-789C-445A-A33C-EE193AF6AB31}"/>
+                <a16:creationId xmlns:a16="http://schemas.microsoft.com/office/drawing/2014/main" xmlns="" id="{E54246B1-789C-445A-A33C-EE193AF6AB31}"/>
               </a:ext>
             </a:extLst>
           </p:cNvPr>
@@ -1537,7 +1537,7 @@
           <p:cNvPr id="3" name="텍스트 개체 틀 2">
             <a:extLst>
               <a:ext uri="{FF2B5EF4-FFF2-40B4-BE49-F238E27FC236}">
-                <a16:creationId xmlns="" xmlns:a16="http://schemas.microsoft.com/office/drawing/2014/main" id="{C60DCCE6-A432-4D2A-810A-99E8AFAD1DD0}"/>
+                <a16:creationId xmlns:a16="http://schemas.microsoft.com/office/drawing/2014/main" xmlns="" id="{C60DCCE6-A432-4D2A-810A-99E8AFAD1DD0}"/>
               </a:ext>
             </a:extLst>
           </p:cNvPr>
@@ -1608,7 +1608,7 @@
           <p:cNvPr id="4" name="내용 개체 틀 3">
             <a:extLst>
               <a:ext uri="{FF2B5EF4-FFF2-40B4-BE49-F238E27FC236}">
-                <a16:creationId xmlns="" xmlns:a16="http://schemas.microsoft.com/office/drawing/2014/main" id="{16D0CEB2-1187-4252-AD05-8D872A1D3F3F}"/>
+                <a16:creationId xmlns:a16="http://schemas.microsoft.com/office/drawing/2014/main" xmlns="" id="{16D0CEB2-1187-4252-AD05-8D872A1D3F3F}"/>
               </a:ext>
             </a:extLst>
           </p:cNvPr>
@@ -1670,7 +1670,7 @@
           <p:cNvPr id="5" name="텍스트 개체 틀 4">
             <a:extLst>
               <a:ext uri="{FF2B5EF4-FFF2-40B4-BE49-F238E27FC236}">
-                <a16:creationId xmlns="" xmlns:a16="http://schemas.microsoft.com/office/drawing/2014/main" id="{5AE31809-3F66-4FEC-8D60-2F4D07A12196}"/>
+                <a16:creationId xmlns:a16="http://schemas.microsoft.com/office/drawing/2014/main" xmlns="" id="{5AE31809-3F66-4FEC-8D60-2F4D07A12196}"/>
               </a:ext>
             </a:extLst>
           </p:cNvPr>
@@ -1741,7 +1741,7 @@
           <p:cNvPr id="6" name="내용 개체 틀 5">
             <a:extLst>
               <a:ext uri="{FF2B5EF4-FFF2-40B4-BE49-F238E27FC236}">
-                <a16:creationId xmlns="" xmlns:a16="http://schemas.microsoft.com/office/drawing/2014/main" id="{A23AB223-7027-45B7-A59D-E463A79FDDD7}"/>
+                <a16:creationId xmlns:a16="http://schemas.microsoft.com/office/drawing/2014/main" xmlns="" id="{A23AB223-7027-45B7-A59D-E463A79FDDD7}"/>
               </a:ext>
             </a:extLst>
           </p:cNvPr>
@@ -1803,7 +1803,7 @@
           <p:cNvPr id="7" name="날짜 개체 틀 6">
             <a:extLst>
               <a:ext uri="{FF2B5EF4-FFF2-40B4-BE49-F238E27FC236}">
-                <a16:creationId xmlns="" xmlns:a16="http://schemas.microsoft.com/office/drawing/2014/main" id="{D2A2B8DD-7358-465C-8CC1-F71D7DE0E812}"/>
+                <a16:creationId xmlns:a16="http://schemas.microsoft.com/office/drawing/2014/main" xmlns="" id="{D2A2B8DD-7358-465C-8CC1-F71D7DE0E812}"/>
               </a:ext>
             </a:extLst>
           </p:cNvPr>
@@ -1832,7 +1832,7 @@
           <p:cNvPr id="8" name="바닥글 개체 틀 7">
             <a:extLst>
               <a:ext uri="{FF2B5EF4-FFF2-40B4-BE49-F238E27FC236}">
-                <a16:creationId xmlns="" xmlns:a16="http://schemas.microsoft.com/office/drawing/2014/main" id="{0D010038-A30A-4B64-BB25-7C3590F3E110}"/>
+                <a16:creationId xmlns:a16="http://schemas.microsoft.com/office/drawing/2014/main" xmlns="" id="{0D010038-A30A-4B64-BB25-7C3590F3E110}"/>
               </a:ext>
             </a:extLst>
           </p:cNvPr>
@@ -1857,7 +1857,7 @@
           <p:cNvPr id="9" name="슬라이드 번호 개체 틀 8">
             <a:extLst>
               <a:ext uri="{FF2B5EF4-FFF2-40B4-BE49-F238E27FC236}">
-                <a16:creationId xmlns="" xmlns:a16="http://schemas.microsoft.com/office/drawing/2014/main" id="{65054B27-799F-4A0D-8BE0-631E52465DC1}"/>
+                <a16:creationId xmlns:a16="http://schemas.microsoft.com/office/drawing/2014/main" xmlns="" id="{65054B27-799F-4A0D-8BE0-631E52465DC1}"/>
               </a:ext>
             </a:extLst>
           </p:cNvPr>
@@ -1916,7 +1916,7 @@
           <p:cNvPr id="2" name="제목 1">
             <a:extLst>
               <a:ext uri="{FF2B5EF4-FFF2-40B4-BE49-F238E27FC236}">
-                <a16:creationId xmlns="" xmlns:a16="http://schemas.microsoft.com/office/drawing/2014/main" id="{C485E51C-A240-4608-92DA-E50F807F41C0}"/>
+                <a16:creationId xmlns:a16="http://schemas.microsoft.com/office/drawing/2014/main" xmlns="" id="{C485E51C-A240-4608-92DA-E50F807F41C0}"/>
               </a:ext>
             </a:extLst>
           </p:cNvPr>
@@ -1944,7 +1944,7 @@
           <p:cNvPr id="3" name="날짜 개체 틀 2">
             <a:extLst>
               <a:ext uri="{FF2B5EF4-FFF2-40B4-BE49-F238E27FC236}">
-                <a16:creationId xmlns="" xmlns:a16="http://schemas.microsoft.com/office/drawing/2014/main" id="{2B851E15-AFBE-4FC3-8B78-027D54EB8877}"/>
+                <a16:creationId xmlns:a16="http://schemas.microsoft.com/office/drawing/2014/main" xmlns="" id="{2B851E15-AFBE-4FC3-8B78-027D54EB8877}"/>
               </a:ext>
             </a:extLst>
           </p:cNvPr>
@@ -1973,7 +1973,7 @@
           <p:cNvPr id="4" name="바닥글 개체 틀 3">
             <a:extLst>
               <a:ext uri="{FF2B5EF4-FFF2-40B4-BE49-F238E27FC236}">
-                <a16:creationId xmlns="" xmlns:a16="http://schemas.microsoft.com/office/drawing/2014/main" id="{5FEBB580-75E4-48D4-AEF3-E10C58CF6EA4}"/>
+                <a16:creationId xmlns:a16="http://schemas.microsoft.com/office/drawing/2014/main" xmlns="" id="{5FEBB580-75E4-48D4-AEF3-E10C58CF6EA4}"/>
               </a:ext>
             </a:extLst>
           </p:cNvPr>
@@ -1998,7 +1998,7 @@
           <p:cNvPr id="5" name="슬라이드 번호 개체 틀 4">
             <a:extLst>
               <a:ext uri="{FF2B5EF4-FFF2-40B4-BE49-F238E27FC236}">
-                <a16:creationId xmlns="" xmlns:a16="http://schemas.microsoft.com/office/drawing/2014/main" id="{BF32AC2E-0C50-4FB0-8820-A7AC6BDE4173}"/>
+                <a16:creationId xmlns:a16="http://schemas.microsoft.com/office/drawing/2014/main" xmlns="" id="{BF32AC2E-0C50-4FB0-8820-A7AC6BDE4173}"/>
               </a:ext>
             </a:extLst>
           </p:cNvPr>
@@ -2057,7 +2057,7 @@
           <p:cNvPr id="2" name="날짜 개체 틀 1">
             <a:extLst>
               <a:ext uri="{FF2B5EF4-FFF2-40B4-BE49-F238E27FC236}">
-                <a16:creationId xmlns="" xmlns:a16="http://schemas.microsoft.com/office/drawing/2014/main" id="{2C192448-72D9-4BA8-A3A5-9279810622F2}"/>
+                <a16:creationId xmlns:a16="http://schemas.microsoft.com/office/drawing/2014/main" xmlns="" id="{2C192448-72D9-4BA8-A3A5-9279810622F2}"/>
               </a:ext>
             </a:extLst>
           </p:cNvPr>
@@ -2086,7 +2086,7 @@
           <p:cNvPr id="3" name="바닥글 개체 틀 2">
             <a:extLst>
               <a:ext uri="{FF2B5EF4-FFF2-40B4-BE49-F238E27FC236}">
-                <a16:creationId xmlns="" xmlns:a16="http://schemas.microsoft.com/office/drawing/2014/main" id="{6A464358-B5B5-49B6-9CA3-2BE74CF87DC8}"/>
+                <a16:creationId xmlns:a16="http://schemas.microsoft.com/office/drawing/2014/main" xmlns="" id="{6A464358-B5B5-49B6-9CA3-2BE74CF87DC8}"/>
               </a:ext>
             </a:extLst>
           </p:cNvPr>
@@ -2111,7 +2111,7 @@
           <p:cNvPr id="4" name="슬라이드 번호 개체 틀 3">
             <a:extLst>
               <a:ext uri="{FF2B5EF4-FFF2-40B4-BE49-F238E27FC236}">
-                <a16:creationId xmlns="" xmlns:a16="http://schemas.microsoft.com/office/drawing/2014/main" id="{5B606F01-6E92-4C16-A968-94433D122A35}"/>
+                <a16:creationId xmlns:a16="http://schemas.microsoft.com/office/drawing/2014/main" xmlns="" id="{5B606F01-6E92-4C16-A968-94433D122A35}"/>
               </a:ext>
             </a:extLst>
           </p:cNvPr>
@@ -2170,7 +2170,7 @@
           <p:cNvPr id="2" name="제목 1">
             <a:extLst>
               <a:ext uri="{FF2B5EF4-FFF2-40B4-BE49-F238E27FC236}">
-                <a16:creationId xmlns="" xmlns:a16="http://schemas.microsoft.com/office/drawing/2014/main" id="{78C9915E-4301-4868-A5EC-6F607A83BF22}"/>
+                <a16:creationId xmlns:a16="http://schemas.microsoft.com/office/drawing/2014/main" xmlns="" id="{78C9915E-4301-4868-A5EC-6F607A83BF22}"/>
               </a:ext>
             </a:extLst>
           </p:cNvPr>
@@ -2207,7 +2207,7 @@
           <p:cNvPr id="3" name="내용 개체 틀 2">
             <a:extLst>
               <a:ext uri="{FF2B5EF4-FFF2-40B4-BE49-F238E27FC236}">
-                <a16:creationId xmlns="" xmlns:a16="http://schemas.microsoft.com/office/drawing/2014/main" id="{4507BFFD-DC79-4CFE-A2B2-BACA06190953}"/>
+                <a16:creationId xmlns:a16="http://schemas.microsoft.com/office/drawing/2014/main" xmlns="" id="{4507BFFD-DC79-4CFE-A2B2-BACA06190953}"/>
               </a:ext>
             </a:extLst>
           </p:cNvPr>
@@ -2297,7 +2297,7 @@
           <p:cNvPr id="4" name="텍스트 개체 틀 3">
             <a:extLst>
               <a:ext uri="{FF2B5EF4-FFF2-40B4-BE49-F238E27FC236}">
-                <a16:creationId xmlns="" xmlns:a16="http://schemas.microsoft.com/office/drawing/2014/main" id="{9A00C531-2EB8-4478-9A6C-4CD6FE675072}"/>
+                <a16:creationId xmlns:a16="http://schemas.microsoft.com/office/drawing/2014/main" xmlns="" id="{9A00C531-2EB8-4478-9A6C-4CD6FE675072}"/>
               </a:ext>
             </a:extLst>
           </p:cNvPr>
@@ -2368,7 +2368,7 @@
           <p:cNvPr id="5" name="날짜 개체 틀 4">
             <a:extLst>
               <a:ext uri="{FF2B5EF4-FFF2-40B4-BE49-F238E27FC236}">
-                <a16:creationId xmlns="" xmlns:a16="http://schemas.microsoft.com/office/drawing/2014/main" id="{8B9102F9-10D2-4689-A3F0-BD4C609347E9}"/>
+                <a16:creationId xmlns:a16="http://schemas.microsoft.com/office/drawing/2014/main" xmlns="" id="{8B9102F9-10D2-4689-A3F0-BD4C609347E9}"/>
               </a:ext>
             </a:extLst>
           </p:cNvPr>
@@ -2397,7 +2397,7 @@
           <p:cNvPr id="6" name="바닥글 개체 틀 5">
             <a:extLst>
               <a:ext uri="{FF2B5EF4-FFF2-40B4-BE49-F238E27FC236}">
-                <a16:creationId xmlns="" xmlns:a16="http://schemas.microsoft.com/office/drawing/2014/main" id="{D7F39764-04A1-4A55-9A18-7F042A006344}"/>
+                <a16:creationId xmlns:a16="http://schemas.microsoft.com/office/drawing/2014/main" xmlns="" id="{D7F39764-04A1-4A55-9A18-7F042A006344}"/>
               </a:ext>
             </a:extLst>
           </p:cNvPr>
@@ -2422,7 +2422,7 @@
           <p:cNvPr id="7" name="슬라이드 번호 개체 틀 6">
             <a:extLst>
               <a:ext uri="{FF2B5EF4-FFF2-40B4-BE49-F238E27FC236}">
-                <a16:creationId xmlns="" xmlns:a16="http://schemas.microsoft.com/office/drawing/2014/main" id="{34225F41-6CDF-4265-BBB3-81FCF28FB82A}"/>
+                <a16:creationId xmlns:a16="http://schemas.microsoft.com/office/drawing/2014/main" xmlns="" id="{34225F41-6CDF-4265-BBB3-81FCF28FB82A}"/>
               </a:ext>
             </a:extLst>
           </p:cNvPr>
@@ -2481,7 +2481,7 @@
           <p:cNvPr id="2" name="제목 1">
             <a:extLst>
               <a:ext uri="{FF2B5EF4-FFF2-40B4-BE49-F238E27FC236}">
-                <a16:creationId xmlns="" xmlns:a16="http://schemas.microsoft.com/office/drawing/2014/main" id="{E1595260-FA6D-4888-ADF7-F499EEC9CAF3}"/>
+                <a16:creationId xmlns:a16="http://schemas.microsoft.com/office/drawing/2014/main" xmlns="" id="{E1595260-FA6D-4888-ADF7-F499EEC9CAF3}"/>
               </a:ext>
             </a:extLst>
           </p:cNvPr>
@@ -2518,7 +2518,7 @@
           <p:cNvPr id="3" name="그림 개체 틀 2">
             <a:extLst>
               <a:ext uri="{FF2B5EF4-FFF2-40B4-BE49-F238E27FC236}">
-                <a16:creationId xmlns="" xmlns:a16="http://schemas.microsoft.com/office/drawing/2014/main" id="{83A50628-D8CA-4077-960A-F39CE72B43AC}"/>
+                <a16:creationId xmlns:a16="http://schemas.microsoft.com/office/drawing/2014/main" xmlns="" id="{83A50628-D8CA-4077-960A-F39CE72B43AC}"/>
               </a:ext>
             </a:extLst>
           </p:cNvPr>
@@ -2585,7 +2585,7 @@
           <p:cNvPr id="4" name="텍스트 개체 틀 3">
             <a:extLst>
               <a:ext uri="{FF2B5EF4-FFF2-40B4-BE49-F238E27FC236}">
-                <a16:creationId xmlns="" xmlns:a16="http://schemas.microsoft.com/office/drawing/2014/main" id="{19E7AA03-FBD8-4A50-A92B-5AC38CFD2159}"/>
+                <a16:creationId xmlns:a16="http://schemas.microsoft.com/office/drawing/2014/main" xmlns="" id="{19E7AA03-FBD8-4A50-A92B-5AC38CFD2159}"/>
               </a:ext>
             </a:extLst>
           </p:cNvPr>
@@ -2656,7 +2656,7 @@
           <p:cNvPr id="5" name="날짜 개체 틀 4">
             <a:extLst>
               <a:ext uri="{FF2B5EF4-FFF2-40B4-BE49-F238E27FC236}">
-                <a16:creationId xmlns="" xmlns:a16="http://schemas.microsoft.com/office/drawing/2014/main" id="{68D9E59A-44BD-4C8B-A629-A61BC819DCDC}"/>
+                <a16:creationId xmlns:a16="http://schemas.microsoft.com/office/drawing/2014/main" xmlns="" id="{68D9E59A-44BD-4C8B-A629-A61BC819DCDC}"/>
               </a:ext>
             </a:extLst>
           </p:cNvPr>
@@ -2685,7 +2685,7 @@
           <p:cNvPr id="6" name="바닥글 개체 틀 5">
             <a:extLst>
               <a:ext uri="{FF2B5EF4-FFF2-40B4-BE49-F238E27FC236}">
-                <a16:creationId xmlns="" xmlns:a16="http://schemas.microsoft.com/office/drawing/2014/main" id="{1D2B7321-A165-476B-A4ED-83B774277E09}"/>
+                <a16:creationId xmlns:a16="http://schemas.microsoft.com/office/drawing/2014/main" xmlns="" id="{1D2B7321-A165-476B-A4ED-83B774277E09}"/>
               </a:ext>
             </a:extLst>
           </p:cNvPr>
@@ -2710,7 +2710,7 @@
           <p:cNvPr id="7" name="슬라이드 번호 개체 틀 6">
             <a:extLst>
               <a:ext uri="{FF2B5EF4-FFF2-40B4-BE49-F238E27FC236}">
-                <a16:creationId xmlns="" xmlns:a16="http://schemas.microsoft.com/office/drawing/2014/main" id="{07F02D81-149F-45ED-BBC5-576EF0493F03}"/>
+                <a16:creationId xmlns:a16="http://schemas.microsoft.com/office/drawing/2014/main" xmlns="" id="{07F02D81-149F-45ED-BBC5-576EF0493F03}"/>
               </a:ext>
             </a:extLst>
           </p:cNvPr>
@@ -2774,7 +2774,7 @@
           <p:cNvPr id="2" name="제목 개체 틀 1">
             <a:extLst>
               <a:ext uri="{FF2B5EF4-FFF2-40B4-BE49-F238E27FC236}">
-                <a16:creationId xmlns="" xmlns:a16="http://schemas.microsoft.com/office/drawing/2014/main" id="{738525D4-1253-4608-9D52-B7981AC4FCC8}"/>
+                <a16:creationId xmlns:a16="http://schemas.microsoft.com/office/drawing/2014/main" xmlns="" id="{738525D4-1253-4608-9D52-B7981AC4FCC8}"/>
               </a:ext>
             </a:extLst>
           </p:cNvPr>
@@ -2812,7 +2812,7 @@
           <p:cNvPr id="3" name="텍스트 개체 틀 2">
             <a:extLst>
               <a:ext uri="{FF2B5EF4-FFF2-40B4-BE49-F238E27FC236}">
-                <a16:creationId xmlns="" xmlns:a16="http://schemas.microsoft.com/office/drawing/2014/main" id="{0D5AEAAA-7600-4903-ACEF-1D36CDCD268E}"/>
+                <a16:creationId xmlns:a16="http://schemas.microsoft.com/office/drawing/2014/main" xmlns="" id="{0D5AEAAA-7600-4903-ACEF-1D36CDCD268E}"/>
               </a:ext>
             </a:extLst>
           </p:cNvPr>
@@ -2879,7 +2879,7 @@
           <p:cNvPr id="4" name="날짜 개체 틀 3">
             <a:extLst>
               <a:ext uri="{FF2B5EF4-FFF2-40B4-BE49-F238E27FC236}">
-                <a16:creationId xmlns="" xmlns:a16="http://schemas.microsoft.com/office/drawing/2014/main" id="{4DC8EC6A-27D7-4EF9-B45D-C2D39B14F126}"/>
+                <a16:creationId xmlns:a16="http://schemas.microsoft.com/office/drawing/2014/main" xmlns="" id="{4DC8EC6A-27D7-4EF9-B45D-C2D39B14F126}"/>
               </a:ext>
             </a:extLst>
           </p:cNvPr>
@@ -2926,7 +2926,7 @@
           <p:cNvPr id="5" name="바닥글 개체 틀 4">
             <a:extLst>
               <a:ext uri="{FF2B5EF4-FFF2-40B4-BE49-F238E27FC236}">
-                <a16:creationId xmlns="" xmlns:a16="http://schemas.microsoft.com/office/drawing/2014/main" id="{260EB541-017D-4B3F-9895-2DFE884EA7DA}"/>
+                <a16:creationId xmlns:a16="http://schemas.microsoft.com/office/drawing/2014/main" xmlns="" id="{260EB541-017D-4B3F-9895-2DFE884EA7DA}"/>
               </a:ext>
             </a:extLst>
           </p:cNvPr>
@@ -2969,7 +2969,7 @@
           <p:cNvPr id="6" name="슬라이드 번호 개체 틀 5">
             <a:extLst>
               <a:ext uri="{FF2B5EF4-FFF2-40B4-BE49-F238E27FC236}">
-                <a16:creationId xmlns="" xmlns:a16="http://schemas.microsoft.com/office/drawing/2014/main" id="{51440F6D-AE56-4BC9-B00D-4A215980C939}"/>
+                <a16:creationId xmlns:a16="http://schemas.microsoft.com/office/drawing/2014/main" xmlns="" id="{51440F6D-AE56-4BC9-B00D-4A215980C939}"/>
               </a:ext>
             </a:extLst>
           </p:cNvPr>
@@ -3345,7 +3345,7 @@
           <p:cNvPr id="3" name="부제목 2">
             <a:extLst>
               <a:ext uri="{FF2B5EF4-FFF2-40B4-BE49-F238E27FC236}">
-                <a16:creationId xmlns="" xmlns:a16="http://schemas.microsoft.com/office/drawing/2014/main" id="{84DAC65C-FE20-4D6D-AFFA-57D16B16FADF}"/>
+                <a16:creationId xmlns:a16="http://schemas.microsoft.com/office/drawing/2014/main" xmlns="" id="{84DAC65C-FE20-4D6D-AFFA-57D16B16FADF}"/>
               </a:ext>
             </a:extLst>
           </p:cNvPr>
@@ -3385,7 +3385,7 @@
           <p:cNvPr id="9" name="그림 8">
             <a:extLst>
               <a:ext uri="{FF2B5EF4-FFF2-40B4-BE49-F238E27FC236}">
-                <a16:creationId xmlns="" xmlns:a16="http://schemas.microsoft.com/office/drawing/2014/main" id="{58A568A6-F904-4025-9A14-67F5B32BB43F}"/>
+                <a16:creationId xmlns:a16="http://schemas.microsoft.com/office/drawing/2014/main" xmlns="" id="{58A568A6-F904-4025-9A14-67F5B32BB43F}"/>
               </a:ext>
             </a:extLst>
           </p:cNvPr>
@@ -3414,7 +3414,7 @@
           <p:cNvPr id="6" name="正方形/長方形 1">
             <a:extLst>
               <a:ext uri="{FF2B5EF4-FFF2-40B4-BE49-F238E27FC236}">
-                <a16:creationId xmlns="" xmlns:a16="http://schemas.microsoft.com/office/drawing/2014/main" id="{3DB5B2C5-F5B3-4CC9-BEAC-DB38B7D18AB0}"/>
+                <a16:creationId xmlns:a16="http://schemas.microsoft.com/office/drawing/2014/main" xmlns="" id="{3DB5B2C5-F5B3-4CC9-BEAC-DB38B7D18AB0}"/>
               </a:ext>
             </a:extLst>
           </p:cNvPr>
@@ -3466,7 +3466,7 @@
           <p:cNvPr id="5" name="그림 4">
             <a:extLst>
               <a:ext uri="{FF2B5EF4-FFF2-40B4-BE49-F238E27FC236}">
-                <a16:creationId xmlns="" xmlns:a16="http://schemas.microsoft.com/office/drawing/2014/main" id="{70CD73FB-6A8C-4053-8E55-05DD338095CE}"/>
+                <a16:creationId xmlns:a16="http://schemas.microsoft.com/office/drawing/2014/main" xmlns="" id="{70CD73FB-6A8C-4053-8E55-05DD338095CE}"/>
               </a:ext>
             </a:extLst>
           </p:cNvPr>
@@ -3502,7 +3502,7 @@
           <p:cNvPr id="10" name="TextBox 9">
             <a:extLst>
               <a:ext uri="{FF2B5EF4-FFF2-40B4-BE49-F238E27FC236}">
-                <a16:creationId xmlns="" xmlns:a16="http://schemas.microsoft.com/office/drawing/2014/main" id="{FE48E1B1-BE68-4CDF-B1A5-546E3D5FD453}"/>
+                <a16:creationId xmlns:a16="http://schemas.microsoft.com/office/drawing/2014/main" xmlns="" id="{FE48E1B1-BE68-4CDF-B1A5-546E3D5FD453}"/>
               </a:ext>
             </a:extLst>
           </p:cNvPr>
@@ -3666,7 +3666,7 @@
           <p:cNvPr id="2" name="직사각형 1">
             <a:extLst>
               <a:ext uri="{FF2B5EF4-FFF2-40B4-BE49-F238E27FC236}">
-                <a16:creationId xmlns="" xmlns:a16="http://schemas.microsoft.com/office/drawing/2014/main" id="{8E5B996D-DF87-49E5-95D1-45B1EEB9EE9A}"/>
+                <a16:creationId xmlns:a16="http://schemas.microsoft.com/office/drawing/2014/main" xmlns="" id="{8E5B996D-DF87-49E5-95D1-45B1EEB9EE9A}"/>
               </a:ext>
             </a:extLst>
           </p:cNvPr>
@@ -3718,7 +3718,7 @@
           <p:cNvPr id="4" name="직사각형 3">
             <a:extLst>
               <a:ext uri="{FF2B5EF4-FFF2-40B4-BE49-F238E27FC236}">
-                <a16:creationId xmlns="" xmlns:a16="http://schemas.microsoft.com/office/drawing/2014/main" id="{080CEE4E-4BCA-42C3-BECA-9BCEB9931EEA}"/>
+                <a16:creationId xmlns:a16="http://schemas.microsoft.com/office/drawing/2014/main" xmlns="" id="{080CEE4E-4BCA-42C3-BECA-9BCEB9931EEA}"/>
               </a:ext>
             </a:extLst>
           </p:cNvPr>
@@ -3770,7 +3770,7 @@
           <p:cNvPr id="5" name="TextBox 4">
             <a:extLst>
               <a:ext uri="{FF2B5EF4-FFF2-40B4-BE49-F238E27FC236}">
-                <a16:creationId xmlns="" xmlns:a16="http://schemas.microsoft.com/office/drawing/2014/main" id="{D12B0B12-AB99-4F88-B4B2-948DADC833EA}"/>
+                <a16:creationId xmlns:a16="http://schemas.microsoft.com/office/drawing/2014/main" xmlns="" id="{D12B0B12-AB99-4F88-B4B2-948DADC833EA}"/>
               </a:ext>
             </a:extLst>
           </p:cNvPr>
@@ -3889,7 +3889,7 @@
           <p:cNvPr id="9" name="그림 8">
             <a:extLst>
               <a:ext uri="{FF2B5EF4-FFF2-40B4-BE49-F238E27FC236}">
-                <a16:creationId xmlns="" xmlns:a16="http://schemas.microsoft.com/office/drawing/2014/main" id="{0F0992E8-2696-42E6-805A-0C12780D8FA1}"/>
+                <a16:creationId xmlns:a16="http://schemas.microsoft.com/office/drawing/2014/main" xmlns="" id="{0F0992E8-2696-42E6-805A-0C12780D8FA1}"/>
               </a:ext>
             </a:extLst>
           </p:cNvPr>
@@ -4242,11 +4242,7 @@
           <a:p>
             <a:r>
               <a:rPr lang="ko-KR" altLang="en-US"/>
-              <a:t>장거리이동 </a:t>
-            </a:r>
-            <a:r>
-              <a:rPr lang="ko-KR" altLang="en-US"/>
-              <a:t>서비스 </a:t>
+              <a:t>장거리이동 서비스 </a:t>
             </a:r>
             <a:r>
               <a:rPr lang="ko-KR" altLang="en-US" smtClean="0"/>
@@ -4265,7 +4261,7 @@
           <p:cNvPr id="14" name="직사각형 13">
             <a:extLst>
               <a:ext uri="{FF2B5EF4-FFF2-40B4-BE49-F238E27FC236}">
-                <a16:creationId xmlns="" xmlns:a16="http://schemas.microsoft.com/office/drawing/2014/main" id="{CB5C1986-20DE-450C-8EEE-D8BEE2F850C6}"/>
+                <a16:creationId xmlns:a16="http://schemas.microsoft.com/office/drawing/2014/main" xmlns="" id="{CB5C1986-20DE-450C-8EEE-D8BEE2F850C6}"/>
               </a:ext>
             </a:extLst>
           </p:cNvPr>
@@ -4313,7 +4309,7 @@
           <p:cNvPr id="40" name="TextBox 39">
             <a:extLst>
               <a:ext uri="{FF2B5EF4-FFF2-40B4-BE49-F238E27FC236}">
-                <a16:creationId xmlns="" xmlns:a16="http://schemas.microsoft.com/office/drawing/2014/main" id="{606CB3EF-BD67-454E-8D48-D30774CEE106}"/>
+                <a16:creationId xmlns:a16="http://schemas.microsoft.com/office/drawing/2014/main" xmlns="" id="{606CB3EF-BD67-454E-8D48-D30774CEE106}"/>
               </a:ext>
             </a:extLst>
           </p:cNvPr>
@@ -4349,7 +4345,7 @@
           <p:cNvPr id="41" name="TextBox 40">
             <a:extLst>
               <a:ext uri="{FF2B5EF4-FFF2-40B4-BE49-F238E27FC236}">
-                <a16:creationId xmlns="" xmlns:a16="http://schemas.microsoft.com/office/drawing/2014/main" id="{6ECBB3D4-2156-4986-9434-EA8F60CE59E0}"/>
+                <a16:creationId xmlns:a16="http://schemas.microsoft.com/office/drawing/2014/main" xmlns="" id="{6ECBB3D4-2156-4986-9434-EA8F60CE59E0}"/>
               </a:ext>
             </a:extLst>
           </p:cNvPr>
@@ -4385,7 +4381,7 @@
           <p:cNvPr id="42" name="직선 연결선 41">
             <a:extLst>
               <a:ext uri="{FF2B5EF4-FFF2-40B4-BE49-F238E27FC236}">
-                <a16:creationId xmlns="" xmlns:a16="http://schemas.microsoft.com/office/drawing/2014/main" id="{A723CFAC-181E-4ABB-8790-FEC42B087A83}"/>
+                <a16:creationId xmlns:a16="http://schemas.microsoft.com/office/drawing/2014/main" xmlns="" id="{A723CFAC-181E-4ABB-8790-FEC42B087A83}"/>
               </a:ext>
             </a:extLst>
           </p:cNvPr>
@@ -4421,7 +4417,7 @@
           <p:cNvPr id="45" name="TextBox 44">
             <a:extLst>
               <a:ext uri="{FF2B5EF4-FFF2-40B4-BE49-F238E27FC236}">
-                <a16:creationId xmlns="" xmlns:a16="http://schemas.microsoft.com/office/drawing/2014/main" id="{78ADDD66-9CDE-4CA6-938D-D34562AC7F09}"/>
+                <a16:creationId xmlns:a16="http://schemas.microsoft.com/office/drawing/2014/main" xmlns="" id="{78ADDD66-9CDE-4CA6-938D-D34562AC7F09}"/>
               </a:ext>
             </a:extLst>
           </p:cNvPr>
@@ -4457,7 +4453,7 @@
           <p:cNvPr id="48" name="직사각형 47">
             <a:extLst>
               <a:ext uri="{FF2B5EF4-FFF2-40B4-BE49-F238E27FC236}">
-                <a16:creationId xmlns="" xmlns:a16="http://schemas.microsoft.com/office/drawing/2014/main" id="{2DD24BCC-FCE6-4F3D-9102-0338A277724E}"/>
+                <a16:creationId xmlns:a16="http://schemas.microsoft.com/office/drawing/2014/main" xmlns="" id="{2DD24BCC-FCE6-4F3D-9102-0338A277724E}"/>
               </a:ext>
             </a:extLst>
           </p:cNvPr>
@@ -4511,7 +4507,7 @@
           <p:cNvPr id="49" name="직사각형 48">
             <a:extLst>
               <a:ext uri="{FF2B5EF4-FFF2-40B4-BE49-F238E27FC236}">
-                <a16:creationId xmlns="" xmlns:a16="http://schemas.microsoft.com/office/drawing/2014/main" id="{D47A0DF5-CA84-4554-81E3-2D51D35F259C}"/>
+                <a16:creationId xmlns:a16="http://schemas.microsoft.com/office/drawing/2014/main" xmlns="" id="{D47A0DF5-CA84-4554-81E3-2D51D35F259C}"/>
               </a:ext>
             </a:extLst>
           </p:cNvPr>
@@ -4565,7 +4561,7 @@
           <p:cNvPr id="50" name="직선 연결선 49">
             <a:extLst>
               <a:ext uri="{FF2B5EF4-FFF2-40B4-BE49-F238E27FC236}">
-                <a16:creationId xmlns="" xmlns:a16="http://schemas.microsoft.com/office/drawing/2014/main" id="{BBD31C63-515F-4941-8A12-DD68C1031400}"/>
+                <a16:creationId xmlns:a16="http://schemas.microsoft.com/office/drawing/2014/main" xmlns="" id="{BBD31C63-515F-4941-8A12-DD68C1031400}"/>
               </a:ext>
             </a:extLst>
           </p:cNvPr>
@@ -4606,7 +4602,7 @@
           <p:cNvPr id="51" name="직선 화살표 연결선 50">
             <a:extLst>
               <a:ext uri="{FF2B5EF4-FFF2-40B4-BE49-F238E27FC236}">
-                <a16:creationId xmlns="" xmlns:a16="http://schemas.microsoft.com/office/drawing/2014/main" id="{C6189FF7-B2B4-4F58-A62C-4552AA855088}"/>
+                <a16:creationId xmlns:a16="http://schemas.microsoft.com/office/drawing/2014/main" xmlns="" id="{C6189FF7-B2B4-4F58-A62C-4552AA855088}"/>
               </a:ext>
             </a:extLst>
           </p:cNvPr>
@@ -4650,7 +4646,7 @@
           <p:cNvPr id="53" name="직선 화살표 연결선 52">
             <a:extLst>
               <a:ext uri="{FF2B5EF4-FFF2-40B4-BE49-F238E27FC236}">
-                <a16:creationId xmlns="" xmlns:a16="http://schemas.microsoft.com/office/drawing/2014/main" id="{6ADB57C1-71A6-460D-8130-56C2C112542B}"/>
+                <a16:creationId xmlns:a16="http://schemas.microsoft.com/office/drawing/2014/main" xmlns="" id="{6ADB57C1-71A6-460D-8130-56C2C112542B}"/>
               </a:ext>
             </a:extLst>
           </p:cNvPr>
@@ -4694,7 +4690,7 @@
           <p:cNvPr id="54" name="TextBox 53">
             <a:extLst>
               <a:ext uri="{FF2B5EF4-FFF2-40B4-BE49-F238E27FC236}">
-                <a16:creationId xmlns="" xmlns:a16="http://schemas.microsoft.com/office/drawing/2014/main" id="{CDE1AA9D-8128-4666-8D15-1D04133230F9}"/>
+                <a16:creationId xmlns:a16="http://schemas.microsoft.com/office/drawing/2014/main" xmlns="" id="{CDE1AA9D-8128-4666-8D15-1D04133230F9}"/>
               </a:ext>
             </a:extLst>
           </p:cNvPr>
@@ -4730,7 +4726,7 @@
           <p:cNvPr id="56" name="TextBox 55">
             <a:extLst>
               <a:ext uri="{FF2B5EF4-FFF2-40B4-BE49-F238E27FC236}">
-                <a16:creationId xmlns="" xmlns:a16="http://schemas.microsoft.com/office/drawing/2014/main" id="{9CCCD44E-9A9A-4ED8-A5D1-4872F5E16D21}"/>
+                <a16:creationId xmlns:a16="http://schemas.microsoft.com/office/drawing/2014/main" xmlns="" id="{9CCCD44E-9A9A-4ED8-A5D1-4872F5E16D21}"/>
               </a:ext>
             </a:extLst>
           </p:cNvPr>
@@ -4843,7 +4839,7 @@
           <p:cNvPr id="52" name="TextBox 51">
             <a:extLst>
               <a:ext uri="{FF2B5EF4-FFF2-40B4-BE49-F238E27FC236}">
-                <a16:creationId xmlns="" xmlns:a16="http://schemas.microsoft.com/office/drawing/2014/main" id="{B59EE5C3-D579-4CF1-BDF9-7E364B23D4EE}"/>
+                <a16:creationId xmlns:a16="http://schemas.microsoft.com/office/drawing/2014/main" xmlns="" id="{B59EE5C3-D579-4CF1-BDF9-7E364B23D4EE}"/>
               </a:ext>
             </a:extLst>
           </p:cNvPr>
@@ -4883,7 +4879,7 @@
           <p:cNvPr id="79" name="직사각형 78">
             <a:extLst>
               <a:ext uri="{FF2B5EF4-FFF2-40B4-BE49-F238E27FC236}">
-                <a16:creationId xmlns="" xmlns:a16="http://schemas.microsoft.com/office/drawing/2014/main" id="{CB5C1986-20DE-450C-8EEE-D8BEE2F850C6}"/>
+                <a16:creationId xmlns:a16="http://schemas.microsoft.com/office/drawing/2014/main" xmlns="" id="{CB5C1986-20DE-450C-8EEE-D8BEE2F850C6}"/>
               </a:ext>
             </a:extLst>
           </p:cNvPr>
@@ -4931,7 +4927,7 @@
           <p:cNvPr id="68" name="직사각형 67">
             <a:extLst>
               <a:ext uri="{FF2B5EF4-FFF2-40B4-BE49-F238E27FC236}">
-                <a16:creationId xmlns="" xmlns:a16="http://schemas.microsoft.com/office/drawing/2014/main" id="{48C9AC18-6F8F-4CAC-A71D-F832DC910868}"/>
+                <a16:creationId xmlns:a16="http://schemas.microsoft.com/office/drawing/2014/main" xmlns="" id="{48C9AC18-6F8F-4CAC-A71D-F832DC910868}"/>
               </a:ext>
             </a:extLst>
           </p:cNvPr>
@@ -4975,7 +4971,7 @@
           <p:cNvPr id="30" name="직사각형 29">
             <a:extLst>
               <a:ext uri="{FF2B5EF4-FFF2-40B4-BE49-F238E27FC236}">
-                <a16:creationId xmlns="" xmlns:a16="http://schemas.microsoft.com/office/drawing/2014/main" id="{48C9AC18-6F8F-4CAC-A71D-F832DC910868}"/>
+                <a16:creationId xmlns:a16="http://schemas.microsoft.com/office/drawing/2014/main" xmlns="" id="{48C9AC18-6F8F-4CAC-A71D-F832DC910868}"/>
               </a:ext>
             </a:extLst>
           </p:cNvPr>
@@ -5019,7 +5015,7 @@
           <p:cNvPr id="34" name="직사각형 33">
             <a:extLst>
               <a:ext uri="{FF2B5EF4-FFF2-40B4-BE49-F238E27FC236}">
-                <a16:creationId xmlns="" xmlns:a16="http://schemas.microsoft.com/office/drawing/2014/main" id="{48C9AC18-6F8F-4CAC-A71D-F832DC910868}"/>
+                <a16:creationId xmlns:a16="http://schemas.microsoft.com/office/drawing/2014/main" xmlns="" id="{48C9AC18-6F8F-4CAC-A71D-F832DC910868}"/>
               </a:ext>
             </a:extLst>
           </p:cNvPr>
@@ -5063,7 +5059,7 @@
           <p:cNvPr id="35" name="TextBox 34">
             <a:extLst>
               <a:ext uri="{FF2B5EF4-FFF2-40B4-BE49-F238E27FC236}">
-                <a16:creationId xmlns="" xmlns:a16="http://schemas.microsoft.com/office/drawing/2014/main" id="{B59EE5C3-D579-4CF1-BDF9-7E364B23D4EE}"/>
+                <a16:creationId xmlns:a16="http://schemas.microsoft.com/office/drawing/2014/main" xmlns="" id="{B59EE5C3-D579-4CF1-BDF9-7E364B23D4EE}"/>
               </a:ext>
             </a:extLst>
           </p:cNvPr>
@@ -5099,7 +5095,7 @@
           <p:cNvPr id="36" name="직사각형 35">
             <a:extLst>
               <a:ext uri="{FF2B5EF4-FFF2-40B4-BE49-F238E27FC236}">
-                <a16:creationId xmlns="" xmlns:a16="http://schemas.microsoft.com/office/drawing/2014/main" id="{48C9AC18-6F8F-4CAC-A71D-F832DC910868}"/>
+                <a16:creationId xmlns:a16="http://schemas.microsoft.com/office/drawing/2014/main" xmlns="" id="{48C9AC18-6F8F-4CAC-A71D-F832DC910868}"/>
               </a:ext>
             </a:extLst>
           </p:cNvPr>
@@ -5143,7 +5139,7 @@
           <p:cNvPr id="37" name="TextBox 36">
             <a:extLst>
               <a:ext uri="{FF2B5EF4-FFF2-40B4-BE49-F238E27FC236}">
-                <a16:creationId xmlns="" xmlns:a16="http://schemas.microsoft.com/office/drawing/2014/main" id="{B59EE5C3-D579-4CF1-BDF9-7E364B23D4EE}"/>
+                <a16:creationId xmlns:a16="http://schemas.microsoft.com/office/drawing/2014/main" xmlns="" id="{B59EE5C3-D579-4CF1-BDF9-7E364B23D4EE}"/>
               </a:ext>
             </a:extLst>
           </p:cNvPr>
@@ -5180,7 +5176,7 @@
           <p:cNvPr id="38" name="직선 화살표 연결선 37">
             <a:extLst>
               <a:ext uri="{FF2B5EF4-FFF2-40B4-BE49-F238E27FC236}">
-                <a16:creationId xmlns="" xmlns:a16="http://schemas.microsoft.com/office/drawing/2014/main" id="{C6189FF7-B2B4-4F58-A62C-4552AA855088}"/>
+                <a16:creationId xmlns:a16="http://schemas.microsoft.com/office/drawing/2014/main" xmlns="" id="{C6189FF7-B2B4-4F58-A62C-4552AA855088}"/>
               </a:ext>
             </a:extLst>
           </p:cNvPr>
@@ -5224,7 +5220,7 @@
           <p:cNvPr id="39" name="TextBox 38">
             <a:extLst>
               <a:ext uri="{FF2B5EF4-FFF2-40B4-BE49-F238E27FC236}">
-                <a16:creationId xmlns="" xmlns:a16="http://schemas.microsoft.com/office/drawing/2014/main" id="{CDE1AA9D-8128-4666-8D15-1D04133230F9}"/>
+                <a16:creationId xmlns:a16="http://schemas.microsoft.com/office/drawing/2014/main" xmlns="" id="{CDE1AA9D-8128-4666-8D15-1D04133230F9}"/>
               </a:ext>
             </a:extLst>
           </p:cNvPr>
@@ -5260,7 +5256,7 @@
           <p:cNvPr id="43" name="직사각형 42">
             <a:extLst>
               <a:ext uri="{FF2B5EF4-FFF2-40B4-BE49-F238E27FC236}">
-                <a16:creationId xmlns="" xmlns:a16="http://schemas.microsoft.com/office/drawing/2014/main" id="{48C9AC18-6F8F-4CAC-A71D-F832DC910868}"/>
+                <a16:creationId xmlns:a16="http://schemas.microsoft.com/office/drawing/2014/main" xmlns="" id="{48C9AC18-6F8F-4CAC-A71D-F832DC910868}"/>
               </a:ext>
             </a:extLst>
           </p:cNvPr>
@@ -5304,7 +5300,7 @@
           <p:cNvPr id="44" name="TextBox 43">
             <a:extLst>
               <a:ext uri="{FF2B5EF4-FFF2-40B4-BE49-F238E27FC236}">
-                <a16:creationId xmlns="" xmlns:a16="http://schemas.microsoft.com/office/drawing/2014/main" id="{B59EE5C3-D579-4CF1-BDF9-7E364B23D4EE}"/>
+                <a16:creationId xmlns:a16="http://schemas.microsoft.com/office/drawing/2014/main" xmlns="" id="{B59EE5C3-D579-4CF1-BDF9-7E364B23D4EE}"/>
               </a:ext>
             </a:extLst>
           </p:cNvPr>
@@ -5341,7 +5337,7 @@
           <p:cNvPr id="46" name="직사각형 45">
             <a:extLst>
               <a:ext uri="{FF2B5EF4-FFF2-40B4-BE49-F238E27FC236}">
-                <a16:creationId xmlns="" xmlns:a16="http://schemas.microsoft.com/office/drawing/2014/main" id="{48C9AC18-6F8F-4CAC-A71D-F832DC910868}"/>
+                <a16:creationId xmlns:a16="http://schemas.microsoft.com/office/drawing/2014/main" xmlns="" id="{48C9AC18-6F8F-4CAC-A71D-F832DC910868}"/>
               </a:ext>
             </a:extLst>
           </p:cNvPr>
@@ -5396,7 +5392,7 @@
           <p:cNvPr id="47" name="TextBox 46">
             <a:extLst>
               <a:ext uri="{FF2B5EF4-FFF2-40B4-BE49-F238E27FC236}">
-                <a16:creationId xmlns="" xmlns:a16="http://schemas.microsoft.com/office/drawing/2014/main" id="{B59EE5C3-D579-4CF1-BDF9-7E364B23D4EE}"/>
+                <a16:creationId xmlns:a16="http://schemas.microsoft.com/office/drawing/2014/main" xmlns="" id="{B59EE5C3-D579-4CF1-BDF9-7E364B23D4EE}"/>
               </a:ext>
             </a:extLst>
           </p:cNvPr>
@@ -5437,7 +5433,7 @@
           <p:cNvPr id="57" name="직사각형 56">
             <a:extLst>
               <a:ext uri="{FF2B5EF4-FFF2-40B4-BE49-F238E27FC236}">
-                <a16:creationId xmlns="" xmlns:a16="http://schemas.microsoft.com/office/drawing/2014/main" id="{48C9AC18-6F8F-4CAC-A71D-F832DC910868}"/>
+                <a16:creationId xmlns:a16="http://schemas.microsoft.com/office/drawing/2014/main" xmlns="" id="{48C9AC18-6F8F-4CAC-A71D-F832DC910868}"/>
               </a:ext>
             </a:extLst>
           </p:cNvPr>
@@ -5488,7 +5484,7 @@
           <p:cNvPr id="58" name="직사각형 57">
             <a:extLst>
               <a:ext uri="{FF2B5EF4-FFF2-40B4-BE49-F238E27FC236}">
-                <a16:creationId xmlns="" xmlns:a16="http://schemas.microsoft.com/office/drawing/2014/main" id="{48C9AC18-6F8F-4CAC-A71D-F832DC910868}"/>
+                <a16:creationId xmlns:a16="http://schemas.microsoft.com/office/drawing/2014/main" xmlns="" id="{48C9AC18-6F8F-4CAC-A71D-F832DC910868}"/>
               </a:ext>
             </a:extLst>
           </p:cNvPr>
@@ -5535,7 +5531,7 @@
           <p:cNvPr id="59" name="TextBox 58">
             <a:extLst>
               <a:ext uri="{FF2B5EF4-FFF2-40B4-BE49-F238E27FC236}">
-                <a16:creationId xmlns="" xmlns:a16="http://schemas.microsoft.com/office/drawing/2014/main" id="{B59EE5C3-D579-4CF1-BDF9-7E364B23D4EE}"/>
+                <a16:creationId xmlns:a16="http://schemas.microsoft.com/office/drawing/2014/main" xmlns="" id="{B59EE5C3-D579-4CF1-BDF9-7E364B23D4EE}"/>
               </a:ext>
             </a:extLst>
           </p:cNvPr>
@@ -5572,7 +5568,7 @@
           <p:cNvPr id="60" name="직사각형 59">
             <a:extLst>
               <a:ext uri="{FF2B5EF4-FFF2-40B4-BE49-F238E27FC236}">
-                <a16:creationId xmlns="" xmlns:a16="http://schemas.microsoft.com/office/drawing/2014/main" id="{48C9AC18-6F8F-4CAC-A71D-F832DC910868}"/>
+                <a16:creationId xmlns:a16="http://schemas.microsoft.com/office/drawing/2014/main" xmlns="" id="{48C9AC18-6F8F-4CAC-A71D-F832DC910868}"/>
               </a:ext>
             </a:extLst>
           </p:cNvPr>
@@ -5623,7 +5619,7 @@
           <p:cNvPr id="61" name="직사각형 60">
             <a:extLst>
               <a:ext uri="{FF2B5EF4-FFF2-40B4-BE49-F238E27FC236}">
-                <a16:creationId xmlns="" xmlns:a16="http://schemas.microsoft.com/office/drawing/2014/main" id="{48C9AC18-6F8F-4CAC-A71D-F832DC910868}"/>
+                <a16:creationId xmlns:a16="http://schemas.microsoft.com/office/drawing/2014/main" xmlns="" id="{48C9AC18-6F8F-4CAC-A71D-F832DC910868}"/>
               </a:ext>
             </a:extLst>
           </p:cNvPr>
@@ -5671,7 +5667,7 @@
           <p:cNvPr id="63" name="직사각형 62">
             <a:extLst>
               <a:ext uri="{FF2B5EF4-FFF2-40B4-BE49-F238E27FC236}">
-                <a16:creationId xmlns="" xmlns:a16="http://schemas.microsoft.com/office/drawing/2014/main" id="{48C9AC18-6F8F-4CAC-A71D-F832DC910868}"/>
+                <a16:creationId xmlns:a16="http://schemas.microsoft.com/office/drawing/2014/main" xmlns="" id="{48C9AC18-6F8F-4CAC-A71D-F832DC910868}"/>
               </a:ext>
             </a:extLst>
           </p:cNvPr>
@@ -5718,7 +5714,7 @@
           <p:cNvPr id="64" name="직사각형 63">
             <a:extLst>
               <a:ext uri="{FF2B5EF4-FFF2-40B4-BE49-F238E27FC236}">
-                <a16:creationId xmlns="" xmlns:a16="http://schemas.microsoft.com/office/drawing/2014/main" id="{48C9AC18-6F8F-4CAC-A71D-F832DC910868}"/>
+                <a16:creationId xmlns:a16="http://schemas.microsoft.com/office/drawing/2014/main" xmlns="" id="{48C9AC18-6F8F-4CAC-A71D-F832DC910868}"/>
               </a:ext>
             </a:extLst>
           </p:cNvPr>
@@ -5762,7 +5758,7 @@
           <p:cNvPr id="65" name="TextBox 64">
             <a:extLst>
               <a:ext uri="{FF2B5EF4-FFF2-40B4-BE49-F238E27FC236}">
-                <a16:creationId xmlns="" xmlns:a16="http://schemas.microsoft.com/office/drawing/2014/main" id="{B59EE5C3-D579-4CF1-BDF9-7E364B23D4EE}"/>
+                <a16:creationId xmlns:a16="http://schemas.microsoft.com/office/drawing/2014/main" xmlns="" id="{B59EE5C3-D579-4CF1-BDF9-7E364B23D4EE}"/>
               </a:ext>
             </a:extLst>
           </p:cNvPr>
@@ -5798,7 +5794,7 @@
           <p:cNvPr id="66" name="직사각형 65">
             <a:extLst>
               <a:ext uri="{FF2B5EF4-FFF2-40B4-BE49-F238E27FC236}">
-                <a16:creationId xmlns="" xmlns:a16="http://schemas.microsoft.com/office/drawing/2014/main" id="{48C9AC18-6F8F-4CAC-A71D-F832DC910868}"/>
+                <a16:creationId xmlns:a16="http://schemas.microsoft.com/office/drawing/2014/main" xmlns="" id="{48C9AC18-6F8F-4CAC-A71D-F832DC910868}"/>
               </a:ext>
             </a:extLst>
           </p:cNvPr>
@@ -5842,7 +5838,7 @@
           <p:cNvPr id="67" name="TextBox 66">
             <a:extLst>
               <a:ext uri="{FF2B5EF4-FFF2-40B4-BE49-F238E27FC236}">
-                <a16:creationId xmlns="" xmlns:a16="http://schemas.microsoft.com/office/drawing/2014/main" id="{B59EE5C3-D579-4CF1-BDF9-7E364B23D4EE}"/>
+                <a16:creationId xmlns:a16="http://schemas.microsoft.com/office/drawing/2014/main" xmlns="" id="{B59EE5C3-D579-4CF1-BDF9-7E364B23D4EE}"/>
               </a:ext>
             </a:extLst>
           </p:cNvPr>
@@ -5878,7 +5874,7 @@
           <p:cNvPr id="69" name="직사각형 68">
             <a:extLst>
               <a:ext uri="{FF2B5EF4-FFF2-40B4-BE49-F238E27FC236}">
-                <a16:creationId xmlns="" xmlns:a16="http://schemas.microsoft.com/office/drawing/2014/main" id="{48C9AC18-6F8F-4CAC-A71D-F832DC910868}"/>
+                <a16:creationId xmlns:a16="http://schemas.microsoft.com/office/drawing/2014/main" xmlns="" id="{48C9AC18-6F8F-4CAC-A71D-F832DC910868}"/>
               </a:ext>
             </a:extLst>
           </p:cNvPr>
@@ -5922,7 +5918,7 @@
           <p:cNvPr id="71" name="TextBox 70">
             <a:extLst>
               <a:ext uri="{FF2B5EF4-FFF2-40B4-BE49-F238E27FC236}">
-                <a16:creationId xmlns="" xmlns:a16="http://schemas.microsoft.com/office/drawing/2014/main" id="{B59EE5C3-D579-4CF1-BDF9-7E364B23D4EE}"/>
+                <a16:creationId xmlns:a16="http://schemas.microsoft.com/office/drawing/2014/main" xmlns="" id="{B59EE5C3-D579-4CF1-BDF9-7E364B23D4EE}"/>
               </a:ext>
             </a:extLst>
           </p:cNvPr>
@@ -5958,7 +5954,7 @@
           <p:cNvPr id="72" name="직사각형 71">
             <a:extLst>
               <a:ext uri="{FF2B5EF4-FFF2-40B4-BE49-F238E27FC236}">
-                <a16:creationId xmlns="" xmlns:a16="http://schemas.microsoft.com/office/drawing/2014/main" id="{48C9AC18-6F8F-4CAC-A71D-F832DC910868}"/>
+                <a16:creationId xmlns:a16="http://schemas.microsoft.com/office/drawing/2014/main" xmlns="" id="{48C9AC18-6F8F-4CAC-A71D-F832DC910868}"/>
               </a:ext>
             </a:extLst>
           </p:cNvPr>
@@ -6014,7 +6010,7 @@
           <p:cNvPr id="73" name="TextBox 72">
             <a:extLst>
               <a:ext uri="{FF2B5EF4-FFF2-40B4-BE49-F238E27FC236}">
-                <a16:creationId xmlns="" xmlns:a16="http://schemas.microsoft.com/office/drawing/2014/main" id="{B59EE5C3-D579-4CF1-BDF9-7E364B23D4EE}"/>
+                <a16:creationId xmlns:a16="http://schemas.microsoft.com/office/drawing/2014/main" xmlns="" id="{B59EE5C3-D579-4CF1-BDF9-7E364B23D4EE}"/>
               </a:ext>
             </a:extLst>
           </p:cNvPr>
@@ -6054,7 +6050,7 @@
           <p:cNvPr id="75" name="직사각형 74">
             <a:extLst>
               <a:ext uri="{FF2B5EF4-FFF2-40B4-BE49-F238E27FC236}">
-                <a16:creationId xmlns="" xmlns:a16="http://schemas.microsoft.com/office/drawing/2014/main" id="{48C9AC18-6F8F-4CAC-A71D-F832DC910868}"/>
+                <a16:creationId xmlns:a16="http://schemas.microsoft.com/office/drawing/2014/main" xmlns="" id="{48C9AC18-6F8F-4CAC-A71D-F832DC910868}"/>
               </a:ext>
             </a:extLst>
           </p:cNvPr>
@@ -6102,7 +6098,7 @@
           <p:cNvPr id="76" name="TextBox 75">
             <a:extLst>
               <a:ext uri="{FF2B5EF4-FFF2-40B4-BE49-F238E27FC236}">
-                <a16:creationId xmlns="" xmlns:a16="http://schemas.microsoft.com/office/drawing/2014/main" id="{B59EE5C3-D579-4CF1-BDF9-7E364B23D4EE}"/>
+                <a16:creationId xmlns:a16="http://schemas.microsoft.com/office/drawing/2014/main" xmlns="" id="{B59EE5C3-D579-4CF1-BDF9-7E364B23D4EE}"/>
               </a:ext>
             </a:extLst>
           </p:cNvPr>
@@ -6138,7 +6134,7 @@
           <p:cNvPr id="78" name="직사각형 77">
             <a:extLst>
               <a:ext uri="{FF2B5EF4-FFF2-40B4-BE49-F238E27FC236}">
-                <a16:creationId xmlns="" xmlns:a16="http://schemas.microsoft.com/office/drawing/2014/main" id="{48C9AC18-6F8F-4CAC-A71D-F832DC910868}"/>
+                <a16:creationId xmlns:a16="http://schemas.microsoft.com/office/drawing/2014/main" xmlns="" id="{48C9AC18-6F8F-4CAC-A71D-F832DC910868}"/>
               </a:ext>
             </a:extLst>
           </p:cNvPr>
@@ -6223,7 +6219,7 @@
           <p:cNvPr id="2" name="직사각형 1">
             <a:extLst>
               <a:ext uri="{FF2B5EF4-FFF2-40B4-BE49-F238E27FC236}">
-                <a16:creationId xmlns="" xmlns:a16="http://schemas.microsoft.com/office/drawing/2014/main" id="{8E5B996D-DF87-49E5-95D1-45B1EEB9EE9A}"/>
+                <a16:creationId xmlns:a16="http://schemas.microsoft.com/office/drawing/2014/main" xmlns="" id="{8E5B996D-DF87-49E5-95D1-45B1EEB9EE9A}"/>
               </a:ext>
             </a:extLst>
           </p:cNvPr>
@@ -6275,7 +6271,7 @@
           <p:cNvPr id="4" name="직사각형 3">
             <a:extLst>
               <a:ext uri="{FF2B5EF4-FFF2-40B4-BE49-F238E27FC236}">
-                <a16:creationId xmlns="" xmlns:a16="http://schemas.microsoft.com/office/drawing/2014/main" id="{080CEE4E-4BCA-42C3-BECA-9BCEB9931EEA}"/>
+                <a16:creationId xmlns:a16="http://schemas.microsoft.com/office/drawing/2014/main" xmlns="" id="{080CEE4E-4BCA-42C3-BECA-9BCEB9931EEA}"/>
               </a:ext>
             </a:extLst>
           </p:cNvPr>
@@ -6327,7 +6323,7 @@
           <p:cNvPr id="5" name="TextBox 4">
             <a:extLst>
               <a:ext uri="{FF2B5EF4-FFF2-40B4-BE49-F238E27FC236}">
-                <a16:creationId xmlns="" xmlns:a16="http://schemas.microsoft.com/office/drawing/2014/main" id="{D12B0B12-AB99-4F88-B4B2-948DADC833EA}"/>
+                <a16:creationId xmlns:a16="http://schemas.microsoft.com/office/drawing/2014/main" xmlns="" id="{D12B0B12-AB99-4F88-B4B2-948DADC833EA}"/>
               </a:ext>
             </a:extLst>
           </p:cNvPr>
@@ -6446,7 +6442,7 @@
           <p:cNvPr id="9" name="그림 8">
             <a:extLst>
               <a:ext uri="{FF2B5EF4-FFF2-40B4-BE49-F238E27FC236}">
-                <a16:creationId xmlns="" xmlns:a16="http://schemas.microsoft.com/office/drawing/2014/main" id="{0F0992E8-2696-42E6-805A-0C12780D8FA1}"/>
+                <a16:creationId xmlns:a16="http://schemas.microsoft.com/office/drawing/2014/main" xmlns="" id="{0F0992E8-2696-42E6-805A-0C12780D8FA1}"/>
               </a:ext>
             </a:extLst>
           </p:cNvPr>
@@ -6855,7 +6851,7 @@
           <p:cNvPr id="4" name="그림 3" descr="실내, 사람이(가) 표시된 사진&#10;&#10;자동 생성된 설명">
             <a:extLst>
               <a:ext uri="{FF2B5EF4-FFF2-40B4-BE49-F238E27FC236}">
-                <a16:creationId xmlns="" xmlns:a16="http://schemas.microsoft.com/office/drawing/2014/main" id="{4D077A45-DF2B-4618-9394-A141B13B1420}"/>
+                <a16:creationId xmlns:a16="http://schemas.microsoft.com/office/drawing/2014/main" xmlns="" id="{4D077A45-DF2B-4618-9394-A141B13B1420}"/>
               </a:ext>
             </a:extLst>
           </p:cNvPr>
@@ -6891,7 +6887,7 @@
           <p:cNvPr id="5" name="TextBox 4">
             <a:extLst>
               <a:ext uri="{FF2B5EF4-FFF2-40B4-BE49-F238E27FC236}">
-                <a16:creationId xmlns="" xmlns:a16="http://schemas.microsoft.com/office/drawing/2014/main" id="{23D82F33-5629-4A89-96F7-5348A5E7BF64}"/>
+                <a16:creationId xmlns:a16="http://schemas.microsoft.com/office/drawing/2014/main" xmlns="" id="{23D82F33-5629-4A89-96F7-5348A5E7BF64}"/>
               </a:ext>
             </a:extLst>
           </p:cNvPr>
@@ -6982,7 +6978,7 @@
           <p:cNvPr id="15" name="그룹 14">
             <a:extLst>
               <a:ext uri="{FF2B5EF4-FFF2-40B4-BE49-F238E27FC236}">
-                <a16:creationId xmlns="" xmlns:a16="http://schemas.microsoft.com/office/drawing/2014/main" id="{B7536413-EBBF-45BD-956C-DBF04F557F50}"/>
+                <a16:creationId xmlns:a16="http://schemas.microsoft.com/office/drawing/2014/main" xmlns="" id="{B7536413-EBBF-45BD-956C-DBF04F557F50}"/>
               </a:ext>
             </a:extLst>
           </p:cNvPr>
@@ -7002,7 +6998,7 @@
             <p:cNvPr id="8" name="직사각형 7">
               <a:extLst>
                 <a:ext uri="{FF2B5EF4-FFF2-40B4-BE49-F238E27FC236}">
-                  <a16:creationId xmlns="" xmlns:a16="http://schemas.microsoft.com/office/drawing/2014/main" id="{F11A9128-76C8-4335-872F-E85671129C65}"/>
+                  <a16:creationId xmlns:a16="http://schemas.microsoft.com/office/drawing/2014/main" xmlns="" id="{F11A9128-76C8-4335-872F-E85671129C65}"/>
                 </a:ext>
               </a:extLst>
             </p:cNvPr>
@@ -7054,7 +7050,7 @@
             <p:cNvPr id="14" name="이등변 삼각형 13">
               <a:extLst>
                 <a:ext uri="{FF2B5EF4-FFF2-40B4-BE49-F238E27FC236}">
-                  <a16:creationId xmlns="" xmlns:a16="http://schemas.microsoft.com/office/drawing/2014/main" id="{2C330ABB-6ACB-46E7-B89D-15EBDBF22119}"/>
+                  <a16:creationId xmlns:a16="http://schemas.microsoft.com/office/drawing/2014/main" xmlns="" id="{2C330ABB-6ACB-46E7-B89D-15EBDBF22119}"/>
                 </a:ext>
               </a:extLst>
             </p:cNvPr>
@@ -7107,7 +7103,7 @@
           <p:cNvPr id="2" name="직사각형 1">
             <a:extLst>
               <a:ext uri="{FF2B5EF4-FFF2-40B4-BE49-F238E27FC236}">
-                <a16:creationId xmlns="" xmlns:a16="http://schemas.microsoft.com/office/drawing/2014/main" id="{8E5B996D-DF87-49E5-95D1-45B1EEB9EE9A}"/>
+                <a16:creationId xmlns:a16="http://schemas.microsoft.com/office/drawing/2014/main" xmlns="" id="{8E5B996D-DF87-49E5-95D1-45B1EEB9EE9A}"/>
               </a:ext>
             </a:extLst>
           </p:cNvPr>
@@ -7159,7 +7155,7 @@
           <p:cNvPr id="4" name="직사각형 3">
             <a:extLst>
               <a:ext uri="{FF2B5EF4-FFF2-40B4-BE49-F238E27FC236}">
-                <a16:creationId xmlns="" xmlns:a16="http://schemas.microsoft.com/office/drawing/2014/main" id="{080CEE4E-4BCA-42C3-BECA-9BCEB9931EEA}"/>
+                <a16:creationId xmlns:a16="http://schemas.microsoft.com/office/drawing/2014/main" xmlns="" id="{080CEE4E-4BCA-42C3-BECA-9BCEB9931EEA}"/>
               </a:ext>
             </a:extLst>
           </p:cNvPr>
@@ -7211,7 +7207,7 @@
           <p:cNvPr id="5" name="TextBox 4">
             <a:extLst>
               <a:ext uri="{FF2B5EF4-FFF2-40B4-BE49-F238E27FC236}">
-                <a16:creationId xmlns="" xmlns:a16="http://schemas.microsoft.com/office/drawing/2014/main" id="{D12B0B12-AB99-4F88-B4B2-948DADC833EA}"/>
+                <a16:creationId xmlns:a16="http://schemas.microsoft.com/office/drawing/2014/main" xmlns="" id="{D12B0B12-AB99-4F88-B4B2-948DADC833EA}"/>
               </a:ext>
             </a:extLst>
           </p:cNvPr>
@@ -7330,7 +7326,7 @@
           <p:cNvPr id="9" name="그림 8">
             <a:extLst>
               <a:ext uri="{FF2B5EF4-FFF2-40B4-BE49-F238E27FC236}">
-                <a16:creationId xmlns="" xmlns:a16="http://schemas.microsoft.com/office/drawing/2014/main" id="{0F0992E8-2696-42E6-805A-0C12780D8FA1}"/>
+                <a16:creationId xmlns:a16="http://schemas.microsoft.com/office/drawing/2014/main" xmlns="" id="{0F0992E8-2696-42E6-805A-0C12780D8FA1}"/>
               </a:ext>
             </a:extLst>
           </p:cNvPr>
@@ -7365,7 +7361,7 @@
           <p:cNvPr id="12" name="TextBox 11">
             <a:extLst>
               <a:ext uri="{FF2B5EF4-FFF2-40B4-BE49-F238E27FC236}">
-                <a16:creationId xmlns="" xmlns:a16="http://schemas.microsoft.com/office/drawing/2014/main" id="{7FA4A435-72AD-4E57-8841-4A73CE0EA391}"/>
+                <a16:creationId xmlns:a16="http://schemas.microsoft.com/office/drawing/2014/main" xmlns="" id="{7FA4A435-72AD-4E57-8841-4A73CE0EA391}"/>
               </a:ext>
             </a:extLst>
           </p:cNvPr>
@@ -7517,7 +7513,7 @@
           <p:cNvPr id="2" name="직사각형 1">
             <a:extLst>
               <a:ext uri="{FF2B5EF4-FFF2-40B4-BE49-F238E27FC236}">
-                <a16:creationId xmlns="" xmlns:a16="http://schemas.microsoft.com/office/drawing/2014/main" id="{8E5B996D-DF87-49E5-95D1-45B1EEB9EE9A}"/>
+                <a16:creationId xmlns:a16="http://schemas.microsoft.com/office/drawing/2014/main" xmlns="" id="{8E5B996D-DF87-49E5-95D1-45B1EEB9EE9A}"/>
               </a:ext>
             </a:extLst>
           </p:cNvPr>
@@ -7569,7 +7565,7 @@
           <p:cNvPr id="4" name="직사각형 3">
             <a:extLst>
               <a:ext uri="{FF2B5EF4-FFF2-40B4-BE49-F238E27FC236}">
-                <a16:creationId xmlns="" xmlns:a16="http://schemas.microsoft.com/office/drawing/2014/main" id="{080CEE4E-4BCA-42C3-BECA-9BCEB9931EEA}"/>
+                <a16:creationId xmlns:a16="http://schemas.microsoft.com/office/drawing/2014/main" xmlns="" id="{080CEE4E-4BCA-42C3-BECA-9BCEB9931EEA}"/>
               </a:ext>
             </a:extLst>
           </p:cNvPr>
@@ -7621,7 +7617,7 @@
           <p:cNvPr id="5" name="TextBox 4">
             <a:extLst>
               <a:ext uri="{FF2B5EF4-FFF2-40B4-BE49-F238E27FC236}">
-                <a16:creationId xmlns="" xmlns:a16="http://schemas.microsoft.com/office/drawing/2014/main" id="{D12B0B12-AB99-4F88-B4B2-948DADC833EA}"/>
+                <a16:creationId xmlns:a16="http://schemas.microsoft.com/office/drawing/2014/main" xmlns="" id="{D12B0B12-AB99-4F88-B4B2-948DADC833EA}"/>
               </a:ext>
             </a:extLst>
           </p:cNvPr>
@@ -7704,7 +7700,7 @@
           <p:cNvPr id="9" name="그림 8">
             <a:extLst>
               <a:ext uri="{FF2B5EF4-FFF2-40B4-BE49-F238E27FC236}">
-                <a16:creationId xmlns="" xmlns:a16="http://schemas.microsoft.com/office/drawing/2014/main" id="{0F0992E8-2696-42E6-805A-0C12780D8FA1}"/>
+                <a16:creationId xmlns:a16="http://schemas.microsoft.com/office/drawing/2014/main" xmlns="" id="{0F0992E8-2696-42E6-805A-0C12780D8FA1}"/>
               </a:ext>
             </a:extLst>
           </p:cNvPr>
@@ -8008,7 +8004,7 @@
           <p:cNvPr id="2" name="직사각형 1">
             <a:extLst>
               <a:ext uri="{FF2B5EF4-FFF2-40B4-BE49-F238E27FC236}">
-                <a16:creationId xmlns="" xmlns:a16="http://schemas.microsoft.com/office/drawing/2014/main" id="{8E5B996D-DF87-49E5-95D1-45B1EEB9EE9A}"/>
+                <a16:creationId xmlns:a16="http://schemas.microsoft.com/office/drawing/2014/main" xmlns="" id="{8E5B996D-DF87-49E5-95D1-45B1EEB9EE9A}"/>
               </a:ext>
             </a:extLst>
           </p:cNvPr>
@@ -8060,7 +8056,7 @@
           <p:cNvPr id="4" name="직사각형 3">
             <a:extLst>
               <a:ext uri="{FF2B5EF4-FFF2-40B4-BE49-F238E27FC236}">
-                <a16:creationId xmlns="" xmlns:a16="http://schemas.microsoft.com/office/drawing/2014/main" id="{080CEE4E-4BCA-42C3-BECA-9BCEB9931EEA}"/>
+                <a16:creationId xmlns:a16="http://schemas.microsoft.com/office/drawing/2014/main" xmlns="" id="{080CEE4E-4BCA-42C3-BECA-9BCEB9931EEA}"/>
               </a:ext>
             </a:extLst>
           </p:cNvPr>
@@ -8112,7 +8108,7 @@
           <p:cNvPr id="5" name="TextBox 4">
             <a:extLst>
               <a:ext uri="{FF2B5EF4-FFF2-40B4-BE49-F238E27FC236}">
-                <a16:creationId xmlns="" xmlns:a16="http://schemas.microsoft.com/office/drawing/2014/main" id="{D12B0B12-AB99-4F88-B4B2-948DADC833EA}"/>
+                <a16:creationId xmlns:a16="http://schemas.microsoft.com/office/drawing/2014/main" xmlns="" id="{D12B0B12-AB99-4F88-B4B2-948DADC833EA}"/>
               </a:ext>
             </a:extLst>
           </p:cNvPr>
@@ -8231,7 +8227,7 @@
           <p:cNvPr id="9" name="그림 8">
             <a:extLst>
               <a:ext uri="{FF2B5EF4-FFF2-40B4-BE49-F238E27FC236}">
-                <a16:creationId xmlns="" xmlns:a16="http://schemas.microsoft.com/office/drawing/2014/main" id="{0F0992E8-2696-42E6-805A-0C12780D8FA1}"/>
+                <a16:creationId xmlns:a16="http://schemas.microsoft.com/office/drawing/2014/main" xmlns="" id="{0F0992E8-2696-42E6-805A-0C12780D8FA1}"/>
               </a:ext>
             </a:extLst>
           </p:cNvPr>
@@ -8367,7 +8363,7 @@
           <p:cNvPr id="2" name="직사각형 1">
             <a:extLst>
               <a:ext uri="{FF2B5EF4-FFF2-40B4-BE49-F238E27FC236}">
-                <a16:creationId xmlns="" xmlns:a16="http://schemas.microsoft.com/office/drawing/2014/main" id="{8E5B996D-DF87-49E5-95D1-45B1EEB9EE9A}"/>
+                <a16:creationId xmlns:a16="http://schemas.microsoft.com/office/drawing/2014/main" xmlns="" id="{8E5B996D-DF87-49E5-95D1-45B1EEB9EE9A}"/>
               </a:ext>
             </a:extLst>
           </p:cNvPr>
@@ -8419,7 +8415,7 @@
           <p:cNvPr id="4" name="직사각형 3">
             <a:extLst>
               <a:ext uri="{FF2B5EF4-FFF2-40B4-BE49-F238E27FC236}">
-                <a16:creationId xmlns="" xmlns:a16="http://schemas.microsoft.com/office/drawing/2014/main" id="{080CEE4E-4BCA-42C3-BECA-9BCEB9931EEA}"/>
+                <a16:creationId xmlns:a16="http://schemas.microsoft.com/office/drawing/2014/main" xmlns="" id="{080CEE4E-4BCA-42C3-BECA-9BCEB9931EEA}"/>
               </a:ext>
             </a:extLst>
           </p:cNvPr>
@@ -8471,7 +8467,7 @@
           <p:cNvPr id="5" name="TextBox 4">
             <a:extLst>
               <a:ext uri="{FF2B5EF4-FFF2-40B4-BE49-F238E27FC236}">
-                <a16:creationId xmlns="" xmlns:a16="http://schemas.microsoft.com/office/drawing/2014/main" id="{D12B0B12-AB99-4F88-B4B2-948DADC833EA}"/>
+                <a16:creationId xmlns:a16="http://schemas.microsoft.com/office/drawing/2014/main" xmlns="" id="{D12B0B12-AB99-4F88-B4B2-948DADC833EA}"/>
               </a:ext>
             </a:extLst>
           </p:cNvPr>
@@ -8590,7 +8586,7 @@
           <p:cNvPr id="9" name="그림 8">
             <a:extLst>
               <a:ext uri="{FF2B5EF4-FFF2-40B4-BE49-F238E27FC236}">
-                <a16:creationId xmlns="" xmlns:a16="http://schemas.microsoft.com/office/drawing/2014/main" id="{0F0992E8-2696-42E6-805A-0C12780D8FA1}"/>
+                <a16:creationId xmlns:a16="http://schemas.microsoft.com/office/drawing/2014/main" xmlns="" id="{0F0992E8-2696-42E6-805A-0C12780D8FA1}"/>
               </a:ext>
             </a:extLst>
           </p:cNvPr>
@@ -8723,17 +8719,55 @@
       </p:grpSpPr>
       <p:cxnSp>
         <p:nvCxnSpPr>
+          <p:cNvPr id="70" name="꺾인 연결선 69"/>
+          <p:cNvCxnSpPr>
+            <a:stCxn id="41" idx="3"/>
+            <a:endCxn id="28" idx="1"/>
+          </p:cNvCxnSpPr>
+          <p:nvPr/>
+        </p:nvCxnSpPr>
+        <p:spPr>
+          <a:xfrm flipV="1">
+            <a:off x="8536268" y="3469996"/>
+            <a:ext cx="929941" cy="1934923"/>
+          </a:xfrm>
+          <a:prstGeom prst="bentConnector3">
+            <a:avLst>
+              <a:gd name="adj1" fmla="val 50000"/>
+            </a:avLst>
+          </a:prstGeom>
+          <a:ln>
+            <a:tailEnd type="arrow"/>
+          </a:ln>
+        </p:spPr>
+        <p:style>
+          <a:lnRef idx="1">
+            <a:schemeClr val="accent1"/>
+          </a:lnRef>
+          <a:fillRef idx="0">
+            <a:schemeClr val="accent1"/>
+          </a:fillRef>
+          <a:effectRef idx="0">
+            <a:schemeClr val="accent1"/>
+          </a:effectRef>
+          <a:fontRef idx="minor">
+            <a:schemeClr val="tx1"/>
+          </a:fontRef>
+        </p:style>
+      </p:cxnSp>
+      <p:cxnSp>
+        <p:nvCxnSpPr>
           <p:cNvPr id="21" name="직선 연결선 20"/>
           <p:cNvCxnSpPr>
             <a:stCxn id="48" idx="3"/>
-            <a:endCxn id="49" idx="1"/>
+            <a:endCxn id="41" idx="1"/>
           </p:cNvCxnSpPr>
           <p:nvPr/>
         </p:nvCxnSpPr>
         <p:spPr>
-          <a:xfrm flipV="1">
-            <a:off x="2372221" y="5091512"/>
-            <a:ext cx="2264527" cy="20199"/>
+          <a:xfrm>
+            <a:off x="2643110" y="5404918"/>
+            <a:ext cx="4471862" cy="1"/>
           </a:xfrm>
           <a:prstGeom prst="line">
             <a:avLst/>
@@ -8765,8 +8799,8 @@
         </p:nvCxnSpPr>
         <p:spPr>
           <a:xfrm>
-            <a:off x="2228743" y="5888929"/>
-            <a:ext cx="7954226" cy="1"/>
+            <a:off x="2554882" y="6082745"/>
+            <a:ext cx="6176336" cy="1"/>
           </a:xfrm>
           <a:prstGeom prst="line">
             <a:avLst/>
@@ -8898,7 +8932,7 @@
         <p:spPr>
           <a:xfrm flipV="1">
             <a:off x="2709465" y="2345634"/>
-            <a:ext cx="4625974" cy="4970"/>
+            <a:ext cx="6516970" cy="4970"/>
           </a:xfrm>
           <a:prstGeom prst="line">
             <a:avLst/>
@@ -8924,7 +8958,7 @@
           <p:cNvPr id="2" name="직사각형 1">
             <a:extLst>
               <a:ext uri="{FF2B5EF4-FFF2-40B4-BE49-F238E27FC236}">
-                <a16:creationId xmlns="" xmlns:a16="http://schemas.microsoft.com/office/drawing/2014/main" id="{8E5B996D-DF87-49E5-95D1-45B1EEB9EE9A}"/>
+                <a16:creationId xmlns:a16="http://schemas.microsoft.com/office/drawing/2014/main" xmlns="" id="{8E5B996D-DF87-49E5-95D1-45B1EEB9EE9A}"/>
               </a:ext>
             </a:extLst>
           </p:cNvPr>
@@ -8976,7 +9010,7 @@
           <p:cNvPr id="4" name="직사각형 3">
             <a:extLst>
               <a:ext uri="{FF2B5EF4-FFF2-40B4-BE49-F238E27FC236}">
-                <a16:creationId xmlns="" xmlns:a16="http://schemas.microsoft.com/office/drawing/2014/main" id="{080CEE4E-4BCA-42C3-BECA-9BCEB9931EEA}"/>
+                <a16:creationId xmlns:a16="http://schemas.microsoft.com/office/drawing/2014/main" xmlns="" id="{080CEE4E-4BCA-42C3-BECA-9BCEB9931EEA}"/>
               </a:ext>
             </a:extLst>
           </p:cNvPr>
@@ -9028,7 +9062,7 @@
           <p:cNvPr id="5" name="TextBox 4">
             <a:extLst>
               <a:ext uri="{FF2B5EF4-FFF2-40B4-BE49-F238E27FC236}">
-                <a16:creationId xmlns="" xmlns:a16="http://schemas.microsoft.com/office/drawing/2014/main" id="{D12B0B12-AB99-4F88-B4B2-948DADC833EA}"/>
+                <a16:creationId xmlns:a16="http://schemas.microsoft.com/office/drawing/2014/main" xmlns="" id="{D12B0B12-AB99-4F88-B4B2-948DADC833EA}"/>
               </a:ext>
             </a:extLst>
           </p:cNvPr>
@@ -9147,7 +9181,7 @@
           <p:cNvPr id="9" name="그림 8">
             <a:extLst>
               <a:ext uri="{FF2B5EF4-FFF2-40B4-BE49-F238E27FC236}">
-                <a16:creationId xmlns="" xmlns:a16="http://schemas.microsoft.com/office/drawing/2014/main" id="{0F0992E8-2696-42E6-805A-0C12780D8FA1}"/>
+                <a16:creationId xmlns:a16="http://schemas.microsoft.com/office/drawing/2014/main" xmlns="" id="{0F0992E8-2696-42E6-805A-0C12780D8FA1}"/>
               </a:ext>
             </a:extLst>
           </p:cNvPr>
@@ -9493,7 +9527,7 @@
         </p:nvSpPr>
         <p:spPr>
           <a:xfrm>
-            <a:off x="2970382" y="2151821"/>
+            <a:off x="3734717" y="2151821"/>
             <a:ext cx="1900844" cy="387626"/>
           </a:xfrm>
           <a:prstGeom prst="rect">
@@ -9614,7 +9648,7 @@
         </p:nvSpPr>
         <p:spPr>
           <a:xfrm>
-            <a:off x="5155426" y="2156791"/>
+            <a:off x="6385017" y="2156791"/>
             <a:ext cx="1900844" cy="387626"/>
           </a:xfrm>
           <a:prstGeom prst="rect">
@@ -9732,7 +9766,7 @@
         </p:nvSpPr>
         <p:spPr>
           <a:xfrm>
-            <a:off x="7335439" y="2151821"/>
+            <a:off x="9226435" y="2151821"/>
             <a:ext cx="1900844" cy="387626"/>
           </a:xfrm>
           <a:prstGeom prst="rect">
@@ -9771,17 +9805,7 @@
                   </a:schemeClr>
                 </a:solidFill>
               </a:rPr>
-              <a:t>시터</a:t>
-            </a:r>
-            <a:r>
-              <a:rPr lang="ko-KR" altLang="en-US" sz="1600" b="1" smtClean="0">
-                <a:solidFill>
-                  <a:schemeClr val="tx2">
-                    <a:lumMod val="75000"/>
-                  </a:schemeClr>
-                </a:solidFill>
-              </a:rPr>
-              <a:t>검색</a:t>
+              <a:t>시터검색</a:t>
             </a:r>
             <a:endParaRPr lang="ko-KR" altLang="en-US" sz="1600" b="1">
               <a:solidFill>
@@ -9863,7 +9887,7 @@
         </p:nvSpPr>
         <p:spPr>
           <a:xfrm>
-            <a:off x="7575213" y="2714002"/>
+            <a:off x="9466209" y="2714002"/>
             <a:ext cx="1421296" cy="387626"/>
           </a:xfrm>
           <a:prstGeom prst="rect">
@@ -9925,7 +9949,7 @@
         </p:nvSpPr>
         <p:spPr>
           <a:xfrm>
-            <a:off x="7575213" y="3276183"/>
+            <a:off x="9466209" y="3276183"/>
             <a:ext cx="1421296" cy="387626"/>
           </a:xfrm>
           <a:prstGeom prst="rect">
@@ -9987,7 +10011,7 @@
         </p:nvSpPr>
         <p:spPr>
           <a:xfrm>
-            <a:off x="7575213" y="3838364"/>
+            <a:off x="9466209" y="3838364"/>
             <a:ext cx="1421296" cy="387626"/>
           </a:xfrm>
           <a:prstGeom prst="rect">
@@ -10052,7 +10076,7 @@
         </p:nvSpPr>
         <p:spPr>
           <a:xfrm>
-            <a:off x="7575213" y="4400547"/>
+            <a:off x="9466209" y="4400547"/>
             <a:ext cx="1421296" cy="387626"/>
           </a:xfrm>
           <a:prstGeom prst="rect">
@@ -10114,7 +10138,7 @@
         </p:nvSpPr>
         <p:spPr>
           <a:xfrm>
-            <a:off x="2613868" y="4917898"/>
+            <a:off x="2884757" y="5211105"/>
             <a:ext cx="1791575" cy="387626"/>
           </a:xfrm>
           <a:prstGeom prst="rect">
@@ -10158,6 +10182,116 @@
               </a:rPr>
               <a:t>이용중인 서비스</a:t>
             </a:r>
+          </a:p>
+        </p:txBody>
+      </p:sp>
+      <p:sp>
+        <p:nvSpPr>
+          <p:cNvPr id="38" name="직사각형 37"/>
+          <p:cNvSpPr/>
+          <p:nvPr/>
+        </p:nvSpPr>
+        <p:spPr>
+          <a:xfrm>
+            <a:off x="7114972" y="4651716"/>
+            <a:ext cx="1421296" cy="387626"/>
+          </a:xfrm>
+          <a:prstGeom prst="rect">
+            <a:avLst/>
+          </a:prstGeom>
+          <a:solidFill>
+            <a:schemeClr val="accent2">
+              <a:lumMod val="20000"/>
+              <a:lumOff val="80000"/>
+            </a:schemeClr>
+          </a:solidFill>
+        </p:spPr>
+        <p:style>
+          <a:lnRef idx="2">
+            <a:schemeClr val="accent1">
+              <a:shade val="50000"/>
+            </a:schemeClr>
+          </a:lnRef>
+          <a:fillRef idx="1">
+            <a:schemeClr val="accent1"/>
+          </a:fillRef>
+          <a:effectRef idx="0">
+            <a:schemeClr val="accent1"/>
+          </a:effectRef>
+          <a:fontRef idx="minor">
+            <a:schemeClr val="lt1"/>
+          </a:fontRef>
+        </p:style>
+        <p:txBody>
+          <a:bodyPr rtlCol="0" anchor="ctr"/>
+          <a:lstStyle/>
+          <a:p>
+            <a:pPr algn="ctr"/>
+            <a:r>
+              <a:rPr lang="ko-KR" altLang="en-US" sz="1600">
+                <a:solidFill>
+                  <a:schemeClr val="tx2">
+                    <a:lumMod val="50000"/>
+                  </a:schemeClr>
+                </a:solidFill>
+              </a:rPr>
+              <a:t>리뷰작성</a:t>
+            </a:r>
+          </a:p>
+        </p:txBody>
+      </p:sp>
+      <p:sp>
+        <p:nvSpPr>
+          <p:cNvPr id="41" name="직사각형 40"/>
+          <p:cNvSpPr/>
+          <p:nvPr/>
+        </p:nvSpPr>
+        <p:spPr>
+          <a:xfrm>
+            <a:off x="7114972" y="5211106"/>
+            <a:ext cx="1421296" cy="387626"/>
+          </a:xfrm>
+          <a:prstGeom prst="rect">
+            <a:avLst/>
+          </a:prstGeom>
+          <a:solidFill>
+            <a:schemeClr val="accent2">
+              <a:lumMod val="20000"/>
+              <a:lumOff val="80000"/>
+            </a:schemeClr>
+          </a:solidFill>
+        </p:spPr>
+        <p:style>
+          <a:lnRef idx="2">
+            <a:schemeClr val="accent1">
+              <a:shade val="50000"/>
+            </a:schemeClr>
+          </a:lnRef>
+          <a:fillRef idx="1">
+            <a:schemeClr val="accent1"/>
+          </a:fillRef>
+          <a:effectRef idx="0">
+            <a:schemeClr val="accent1"/>
+          </a:effectRef>
+          <a:fontRef idx="minor">
+            <a:schemeClr val="lt1"/>
+          </a:fontRef>
+        </p:style>
+        <p:txBody>
+          <a:bodyPr rtlCol="0" anchor="ctr"/>
+          <a:lstStyle/>
+          <a:p>
+            <a:pPr algn="ctr"/>
+            <a:r>
+              <a:rPr lang="ko-KR" altLang="en-US" sz="1600" smtClean="0">
+                <a:solidFill>
+                  <a:schemeClr val="tx2">
+                    <a:lumMod val="50000"/>
+                  </a:schemeClr>
+                </a:solidFill>
+              </a:rPr>
+              <a:t>시터리스트</a:t>
+            </a:r>
             <a:endParaRPr lang="ko-KR" altLang="en-US" sz="1600">
               <a:solidFill>
                 <a:schemeClr val="tx2">
@@ -10170,13 +10304,13 @@
       </p:sp>
       <p:sp>
         <p:nvSpPr>
-          <p:cNvPr id="38" name="직사각형 37"/>
+          <p:cNvPr id="42" name="직사각형 41"/>
           <p:cNvSpPr/>
           <p:nvPr/>
         </p:nvSpPr>
         <p:spPr>
           <a:xfrm>
-            <a:off x="8179905" y="5102086"/>
+            <a:off x="1048754" y="2718351"/>
             <a:ext cx="1421296" cy="387626"/>
           </a:xfrm>
           <a:prstGeom prst="rect">
@@ -10211,27 +10345,34 @@
           <a:p>
             <a:pPr algn="ctr"/>
             <a:r>
-              <a:rPr lang="ko-KR" altLang="en-US" sz="1600">
+              <a:rPr lang="en-US" altLang="ko-KR" sz="1600" smtClean="0">
                 <a:solidFill>
                   <a:schemeClr val="tx2">
                     <a:lumMod val="50000"/>
                   </a:schemeClr>
                 </a:solidFill>
               </a:rPr>
-              <a:t>리뷰작성</a:t>
-            </a:r>
-          </a:p>
-        </p:txBody>
-      </p:sp>
-      <p:sp>
-        <p:nvSpPr>
-          <p:cNvPr id="41" name="직사각형 40"/>
+              <a:t>FAQ</a:t>
+            </a:r>
+            <a:endParaRPr lang="ko-KR" altLang="en-US" sz="1600">
+              <a:solidFill>
+                <a:schemeClr val="tx2">
+                  <a:lumMod val="50000"/>
+                </a:schemeClr>
+              </a:solidFill>
+            </a:endParaRPr>
+          </a:p>
+        </p:txBody>
+      </p:sp>
+      <p:sp>
+        <p:nvSpPr>
+          <p:cNvPr id="43" name="직사각형 42"/>
           <p:cNvSpPr/>
           <p:nvPr/>
         </p:nvSpPr>
         <p:spPr>
           <a:xfrm>
-            <a:off x="4714891" y="5695116"/>
+            <a:off x="1048754" y="3279911"/>
             <a:ext cx="1421296" cy="387626"/>
           </a:xfrm>
           <a:prstGeom prst="rect">
@@ -10273,7 +10414,7 @@
                   </a:schemeClr>
                 </a:solidFill>
               </a:rPr>
-              <a:t>시터리스트</a:t>
+              <a:t>개별 문의</a:t>
             </a:r>
             <a:endParaRPr lang="ko-KR" altLang="en-US" sz="1600">
               <a:solidFill>
@@ -10287,13 +10428,13 @@
       </p:sp>
       <p:sp>
         <p:nvSpPr>
-          <p:cNvPr id="42" name="직사각형 41"/>
+          <p:cNvPr id="44" name="직사각형 43"/>
           <p:cNvSpPr/>
           <p:nvPr/>
         </p:nvSpPr>
         <p:spPr>
           <a:xfrm>
-            <a:off x="1048754" y="2718351"/>
+            <a:off x="1048754" y="3841471"/>
             <a:ext cx="1421296" cy="387626"/>
           </a:xfrm>
           <a:prstGeom prst="rect">
@@ -10328,14 +10469,14 @@
           <a:p>
             <a:pPr algn="ctr"/>
             <a:r>
-              <a:rPr lang="en-US" altLang="ko-KR" sz="1600" smtClean="0">
+              <a:rPr lang="ko-KR" altLang="en-US" sz="1600" smtClean="0">
                 <a:solidFill>
                   <a:schemeClr val="tx2">
                     <a:lumMod val="50000"/>
                   </a:schemeClr>
                 </a:solidFill>
               </a:rPr>
-              <a:t>FAQ</a:t>
+              <a:t>공지사항</a:t>
             </a:r>
             <a:endParaRPr lang="ko-KR" altLang="en-US" sz="1600">
               <a:solidFill>
@@ -10349,23 +10490,20 @@
       </p:sp>
       <p:sp>
         <p:nvSpPr>
-          <p:cNvPr id="43" name="직사각형 42"/>
+          <p:cNvPr id="46" name="직사각형 45"/>
           <p:cNvSpPr/>
           <p:nvPr/>
         </p:nvSpPr>
         <p:spPr>
           <a:xfrm>
-            <a:off x="1048754" y="3279911"/>
-            <a:ext cx="1421296" cy="387626"/>
+            <a:off x="742266" y="5888932"/>
+            <a:ext cx="1812616" cy="387626"/>
           </a:xfrm>
           <a:prstGeom prst="rect">
             <a:avLst/>
           </a:prstGeom>
           <a:solidFill>
-            <a:schemeClr val="accent2">
-              <a:lumMod val="20000"/>
-              <a:lumOff val="80000"/>
-            </a:schemeClr>
+            <a:srgbClr val="FFD8D9"/>
           </a:solidFill>
         </p:spPr>
         <p:style>
@@ -10390,6 +10528,68 @@
           <a:p>
             <a:pPr algn="ctr"/>
             <a:r>
+              <a:rPr lang="ko-KR" altLang="en-US" sz="1600" b="1" smtClean="0">
+                <a:solidFill>
+                  <a:schemeClr val="tx2">
+                    <a:lumMod val="75000"/>
+                  </a:schemeClr>
+                </a:solidFill>
+              </a:rPr>
+              <a:t>마이페이지</a:t>
+            </a:r>
+            <a:endParaRPr lang="ko-KR" altLang="en-US" sz="1600" b="1">
+              <a:solidFill>
+                <a:schemeClr val="tx2">
+                  <a:lumMod val="75000"/>
+                </a:schemeClr>
+              </a:solidFill>
+            </a:endParaRPr>
+          </a:p>
+        </p:txBody>
+      </p:sp>
+      <p:sp>
+        <p:nvSpPr>
+          <p:cNvPr id="47" name="직사각형 46"/>
+          <p:cNvSpPr/>
+          <p:nvPr/>
+        </p:nvSpPr>
+        <p:spPr>
+          <a:xfrm>
+            <a:off x="4986571" y="5888933"/>
+            <a:ext cx="1662070" cy="387626"/>
+          </a:xfrm>
+          <a:prstGeom prst="rect">
+            <a:avLst/>
+          </a:prstGeom>
+          <a:solidFill>
+            <a:schemeClr val="accent2">
+              <a:lumMod val="20000"/>
+              <a:lumOff val="80000"/>
+            </a:schemeClr>
+          </a:solidFill>
+        </p:spPr>
+        <p:style>
+          <a:lnRef idx="2">
+            <a:schemeClr val="accent1">
+              <a:shade val="50000"/>
+            </a:schemeClr>
+          </a:lnRef>
+          <a:fillRef idx="1">
+            <a:schemeClr val="accent1"/>
+          </a:fillRef>
+          <a:effectRef idx="0">
+            <a:schemeClr val="accent1"/>
+          </a:effectRef>
+          <a:fontRef idx="minor">
+            <a:schemeClr val="lt1"/>
+          </a:fontRef>
+        </p:style>
+        <p:txBody>
+          <a:bodyPr rtlCol="0" anchor="ctr"/>
+          <a:lstStyle/>
+          <a:p>
+            <a:pPr algn="ctr"/>
+            <a:r>
               <a:rPr lang="ko-KR" altLang="en-US" sz="1600" smtClean="0">
                 <a:solidFill>
                   <a:schemeClr val="tx2">
@@ -10397,7 +10597,7 @@
                   </a:schemeClr>
                 </a:solidFill>
               </a:rPr>
-              <a:t>개별 문의</a:t>
+              <a:t>보호자 프로필</a:t>
             </a:r>
             <a:endParaRPr lang="ko-KR" altLang="en-US" sz="1600">
               <a:solidFill>
@@ -10411,14 +10611,14 @@
       </p:sp>
       <p:sp>
         <p:nvSpPr>
-          <p:cNvPr id="44" name="직사각형 43"/>
+          <p:cNvPr id="48" name="직사각형 47"/>
           <p:cNvSpPr/>
           <p:nvPr/>
         </p:nvSpPr>
         <p:spPr>
           <a:xfrm>
-            <a:off x="1048754" y="3841471"/>
-            <a:ext cx="1421296" cy="387626"/>
+            <a:off x="742266" y="5211105"/>
+            <a:ext cx="1900844" cy="387626"/>
           </a:xfrm>
           <a:prstGeom prst="rect">
             <a:avLst/>
@@ -10452,14 +10652,89 @@
           <a:p>
             <a:pPr algn="ctr"/>
             <a:r>
-              <a:rPr lang="ko-KR" altLang="en-US" sz="1600" smtClean="0">
+              <a:rPr lang="ko-KR" altLang="en-US" sz="1600">
                 <a:solidFill>
                   <a:schemeClr val="tx2">
                     <a:lumMod val="50000"/>
                   </a:schemeClr>
                 </a:solidFill>
               </a:rPr>
-              <a:t>공지사항</a:t>
+              <a:t>참여중인 프로그램</a:t>
+            </a:r>
+          </a:p>
+        </p:txBody>
+      </p:sp>
+      <p:sp>
+        <p:nvSpPr>
+          <p:cNvPr id="49" name="직사각형 48"/>
+          <p:cNvSpPr/>
+          <p:nvPr/>
+        </p:nvSpPr>
+        <p:spPr>
+          <a:xfrm>
+            <a:off x="4986571" y="5211107"/>
+            <a:ext cx="1801574" cy="387626"/>
+          </a:xfrm>
+          <a:prstGeom prst="rect">
+            <a:avLst/>
+          </a:prstGeom>
+          <a:solidFill>
+            <a:schemeClr val="accent2">
+              <a:lumMod val="20000"/>
+              <a:lumOff val="80000"/>
+            </a:schemeClr>
+          </a:solidFill>
+        </p:spPr>
+        <p:style>
+          <a:lnRef idx="2">
+            <a:schemeClr val="accent1">
+              <a:shade val="50000"/>
+            </a:schemeClr>
+          </a:lnRef>
+          <a:fillRef idx="1">
+            <a:schemeClr val="accent1"/>
+          </a:fillRef>
+          <a:effectRef idx="0">
+            <a:schemeClr val="accent1"/>
+          </a:effectRef>
+          <a:fontRef idx="minor">
+            <a:schemeClr val="lt1"/>
+          </a:fontRef>
+        </p:style>
+        <p:txBody>
+          <a:bodyPr rtlCol="0" anchor="ctr"/>
+          <a:lstStyle/>
+          <a:p>
+            <a:pPr algn="ctr"/>
+            <a:r>
+              <a:rPr lang="ko-KR" altLang="en-US" sz="1600" smtClean="0">
+                <a:solidFill>
+                  <a:schemeClr val="tx2">
+                    <a:lumMod val="50000"/>
+                  </a:schemeClr>
+                </a:solidFill>
+              </a:rPr>
+              <a:t>시터 </a:t>
+            </a:r>
+            <a:r>
+              <a:rPr lang="ko-KR" altLang="en-US" sz="1600">
+                <a:solidFill>
+                  <a:schemeClr val="tx2">
+                    <a:lumMod val="50000"/>
+                  </a:schemeClr>
+                </a:solidFill>
+              </a:rPr>
+              <a:t>예약 </a:t>
+            </a:r>
+            <a:r>
+              <a:rPr lang="ko-KR" altLang="en-US" sz="1600" smtClean="0">
+                <a:solidFill>
+                  <a:schemeClr val="tx2">
+                    <a:lumMod val="50000"/>
+                  </a:schemeClr>
+                </a:solidFill>
+              </a:rPr>
+              <a:t>리스트</a:t>
             </a:r>
             <a:endParaRPr lang="ko-KR" altLang="en-US" sz="1600">
               <a:solidFill>
@@ -10473,20 +10748,23 @@
       </p:sp>
       <p:sp>
         <p:nvSpPr>
-          <p:cNvPr id="46" name="직사각형 45"/>
+          <p:cNvPr id="50" name="직사각형 49"/>
           <p:cNvSpPr/>
           <p:nvPr/>
         </p:nvSpPr>
         <p:spPr>
           <a:xfrm>
-            <a:off x="327899" y="5695116"/>
-            <a:ext cx="1900844" cy="387626"/>
+            <a:off x="6857301" y="5888933"/>
+            <a:ext cx="1682305" cy="387626"/>
           </a:xfrm>
           <a:prstGeom prst="rect">
             <a:avLst/>
           </a:prstGeom>
           <a:solidFill>
-            <a:srgbClr val="FFD8D9"/>
+            <a:schemeClr val="accent2">
+              <a:lumMod val="20000"/>
+              <a:lumOff val="80000"/>
+            </a:schemeClr>
           </a:solidFill>
         </p:spPr>
         <p:style>
@@ -10511,19 +10789,19 @@
           <a:p>
             <a:pPr algn="ctr"/>
             <a:r>
-              <a:rPr lang="ko-KR" altLang="en-US" sz="1600" b="1" smtClean="0">
+              <a:rPr lang="ko-KR" altLang="en-US" sz="1600" smtClean="0">
                 <a:solidFill>
                   <a:schemeClr val="tx2">
-                    <a:lumMod val="75000"/>
+                    <a:lumMod val="50000"/>
                   </a:schemeClr>
                 </a:solidFill>
               </a:rPr>
-              <a:t>마이페이지</a:t>
-            </a:r>
-            <a:endParaRPr lang="ko-KR" altLang="en-US" sz="1600" b="1">
+              <a:t>시터 프로필</a:t>
+            </a:r>
+            <a:endParaRPr lang="ko-KR" altLang="en-US" sz="1600">
               <a:solidFill>
                 <a:schemeClr val="tx2">
-                  <a:lumMod val="75000"/>
+                  <a:lumMod val="50000"/>
                 </a:schemeClr>
               </a:solidFill>
             </a:endParaRPr>
@@ -10532,14 +10810,14 @@
       </p:sp>
       <p:sp>
         <p:nvSpPr>
-          <p:cNvPr id="47" name="직사각형 46"/>
+          <p:cNvPr id="51" name="직사각형 50"/>
           <p:cNvSpPr/>
           <p:nvPr/>
         </p:nvSpPr>
         <p:spPr>
           <a:xfrm>
-            <a:off x="6438322" y="5695117"/>
-            <a:ext cx="1662070" cy="387626"/>
+            <a:off x="8731218" y="5888933"/>
+            <a:ext cx="1682305" cy="387626"/>
           </a:xfrm>
           <a:prstGeom prst="rect">
             <a:avLst/>
@@ -10580,7 +10858,7 @@
                   </a:schemeClr>
                 </a:solidFill>
               </a:rPr>
-              <a:t>보호자 프로필</a:t>
+              <a:t>회원탈퇴</a:t>
             </a:r>
             <a:endParaRPr lang="ko-KR" altLang="en-US" sz="1600">
               <a:solidFill>
@@ -10594,14 +10872,14 @@
       </p:sp>
       <p:sp>
         <p:nvSpPr>
-          <p:cNvPr id="48" name="직사각형 47"/>
+          <p:cNvPr id="52" name="직사각형 51"/>
           <p:cNvSpPr/>
           <p:nvPr/>
         </p:nvSpPr>
         <p:spPr>
           <a:xfrm>
-            <a:off x="471377" y="4917898"/>
-            <a:ext cx="1900844" cy="387626"/>
+            <a:off x="6624791" y="2719594"/>
+            <a:ext cx="1421296" cy="387626"/>
           </a:xfrm>
           <a:prstGeom prst="rect">
             <a:avLst/>
@@ -10635,14 +10913,14 @@
           <a:p>
             <a:pPr algn="ctr"/>
             <a:r>
-              <a:rPr lang="ko-KR" altLang="en-US" sz="1600">
+              <a:rPr lang="ko-KR" altLang="en-US" sz="1600" smtClean="0">
                 <a:solidFill>
                   <a:schemeClr val="tx2">
                     <a:lumMod val="50000"/>
                   </a:schemeClr>
                 </a:solidFill>
               </a:rPr>
-              <a:t>참여중인 프로그램</a:t>
+              <a:t>서비스 소개</a:t>
             </a:r>
             <a:endParaRPr lang="ko-KR" altLang="en-US" sz="1600">
               <a:solidFill>
@@ -10656,14 +10934,14 @@
       </p:sp>
       <p:sp>
         <p:nvSpPr>
-          <p:cNvPr id="49" name="직사각형 48"/>
+          <p:cNvPr id="53" name="직사각형 52"/>
           <p:cNvSpPr/>
           <p:nvPr/>
         </p:nvSpPr>
         <p:spPr>
           <a:xfrm>
-            <a:off x="4636748" y="4897699"/>
-            <a:ext cx="1801574" cy="387626"/>
+            <a:off x="6624791" y="3282396"/>
+            <a:ext cx="1421296" cy="387626"/>
           </a:xfrm>
           <a:prstGeom prst="rect">
             <a:avLst/>
@@ -10704,27 +10982,7 @@
                   </a:schemeClr>
                 </a:solidFill>
               </a:rPr>
-              <a:t>시터 </a:t>
-            </a:r>
-            <a:r>
-              <a:rPr lang="ko-KR" altLang="en-US" sz="1600">
-                <a:solidFill>
-                  <a:schemeClr val="tx2">
-                    <a:lumMod val="50000"/>
-                  </a:schemeClr>
-                </a:solidFill>
-              </a:rPr>
-              <a:t>예약 </a:t>
-            </a:r>
-            <a:r>
-              <a:rPr lang="ko-KR" altLang="en-US" sz="1600" smtClean="0">
-                <a:solidFill>
-                  <a:schemeClr val="tx2">
-                    <a:lumMod val="50000"/>
-                  </a:schemeClr>
-                </a:solidFill>
-              </a:rPr>
-              <a:t>리스트</a:t>
+              <a:t>서비스 신청</a:t>
             </a:r>
             <a:endParaRPr lang="ko-KR" altLang="en-US" sz="1600">
               <a:solidFill>
@@ -10738,14 +10996,14 @@
       </p:sp>
       <p:sp>
         <p:nvSpPr>
-          <p:cNvPr id="50" name="직사각형 49"/>
+          <p:cNvPr id="54" name="직사각형 53"/>
           <p:cNvSpPr/>
           <p:nvPr/>
         </p:nvSpPr>
         <p:spPr>
           <a:xfrm>
-            <a:off x="8309052" y="5695117"/>
-            <a:ext cx="1682305" cy="387626"/>
+            <a:off x="3801417" y="2717109"/>
+            <a:ext cx="1767444" cy="387626"/>
           </a:xfrm>
           <a:prstGeom prst="rect">
             <a:avLst/>
@@ -10786,27 +11044,7 @@
                   </a:schemeClr>
                 </a:solidFill>
               </a:rPr>
-              <a:t>시터</a:t>
-            </a:r>
-            <a:r>
-              <a:rPr lang="ko-KR" altLang="en-US" sz="1600" smtClean="0">
-                <a:solidFill>
-                  <a:schemeClr val="tx2">
-                    <a:lumMod val="50000"/>
-                  </a:schemeClr>
-                </a:solidFill>
-              </a:rPr>
-              <a:t> </a:t>
-            </a:r>
-            <a:r>
-              <a:rPr lang="ko-KR" altLang="en-US" sz="1600" smtClean="0">
-                <a:solidFill>
-                  <a:schemeClr val="tx2">
-                    <a:lumMod val="50000"/>
-                  </a:schemeClr>
-                </a:solidFill>
-              </a:rPr>
-              <a:t>프로필</a:t>
+              <a:t>프로그램 리스트</a:t>
             </a:r>
             <a:endParaRPr lang="ko-KR" altLang="en-US" sz="1600">
               <a:solidFill>
@@ -10820,261 +11058,13 @@
       </p:sp>
       <p:sp>
         <p:nvSpPr>
-          <p:cNvPr id="51" name="직사각형 50"/>
-          <p:cNvSpPr/>
-          <p:nvPr/>
-        </p:nvSpPr>
-        <p:spPr>
-          <a:xfrm>
-            <a:off x="10182969" y="5695117"/>
-            <a:ext cx="1682305" cy="387626"/>
-          </a:xfrm>
-          <a:prstGeom prst="rect">
-            <a:avLst/>
-          </a:prstGeom>
-          <a:solidFill>
-            <a:schemeClr val="accent2">
-              <a:lumMod val="20000"/>
-              <a:lumOff val="80000"/>
-            </a:schemeClr>
-          </a:solidFill>
-        </p:spPr>
-        <p:style>
-          <a:lnRef idx="2">
-            <a:schemeClr val="accent1">
-              <a:shade val="50000"/>
-            </a:schemeClr>
-          </a:lnRef>
-          <a:fillRef idx="1">
-            <a:schemeClr val="accent1"/>
-          </a:fillRef>
-          <a:effectRef idx="0">
-            <a:schemeClr val="accent1"/>
-          </a:effectRef>
-          <a:fontRef idx="minor">
-            <a:schemeClr val="lt1"/>
-          </a:fontRef>
-        </p:style>
-        <p:txBody>
-          <a:bodyPr rtlCol="0" anchor="ctr"/>
-          <a:lstStyle/>
-          <a:p>
-            <a:pPr algn="ctr"/>
-            <a:r>
-              <a:rPr lang="ko-KR" altLang="en-US" sz="1600" smtClean="0">
-                <a:solidFill>
-                  <a:schemeClr val="tx2">
-                    <a:lumMod val="50000"/>
-                  </a:schemeClr>
-                </a:solidFill>
-              </a:rPr>
-              <a:t>회원탈퇴</a:t>
-            </a:r>
-            <a:endParaRPr lang="ko-KR" altLang="en-US" sz="1600">
-              <a:solidFill>
-                <a:schemeClr val="tx2">
-                  <a:lumMod val="50000"/>
-                </a:schemeClr>
-              </a:solidFill>
-            </a:endParaRPr>
-          </a:p>
-        </p:txBody>
-      </p:sp>
-      <p:sp>
-        <p:nvSpPr>
-          <p:cNvPr id="52" name="직사각형 51"/>
-          <p:cNvSpPr/>
-          <p:nvPr/>
-        </p:nvSpPr>
-        <p:spPr>
-          <a:xfrm>
-            <a:off x="5395200" y="2719594"/>
-            <a:ext cx="1421296" cy="387626"/>
-          </a:xfrm>
-          <a:prstGeom prst="rect">
-            <a:avLst/>
-          </a:prstGeom>
-          <a:solidFill>
-            <a:schemeClr val="accent2">
-              <a:lumMod val="20000"/>
-              <a:lumOff val="80000"/>
-            </a:schemeClr>
-          </a:solidFill>
-        </p:spPr>
-        <p:style>
-          <a:lnRef idx="2">
-            <a:schemeClr val="accent1">
-              <a:shade val="50000"/>
-            </a:schemeClr>
-          </a:lnRef>
-          <a:fillRef idx="1">
-            <a:schemeClr val="accent1"/>
-          </a:fillRef>
-          <a:effectRef idx="0">
-            <a:schemeClr val="accent1"/>
-          </a:effectRef>
-          <a:fontRef idx="minor">
-            <a:schemeClr val="lt1"/>
-          </a:fontRef>
-        </p:style>
-        <p:txBody>
-          <a:bodyPr rtlCol="0" anchor="ctr"/>
-          <a:lstStyle/>
-          <a:p>
-            <a:pPr algn="ctr"/>
-            <a:r>
-              <a:rPr lang="ko-KR" altLang="en-US" sz="1600" smtClean="0">
-                <a:solidFill>
-                  <a:schemeClr val="tx2">
-                    <a:lumMod val="50000"/>
-                  </a:schemeClr>
-                </a:solidFill>
-              </a:rPr>
-              <a:t>서비스 소개</a:t>
-            </a:r>
-            <a:endParaRPr lang="ko-KR" altLang="en-US" sz="1600">
-              <a:solidFill>
-                <a:schemeClr val="tx2">
-                  <a:lumMod val="50000"/>
-                </a:schemeClr>
-              </a:solidFill>
-            </a:endParaRPr>
-          </a:p>
-        </p:txBody>
-      </p:sp>
-      <p:sp>
-        <p:nvSpPr>
-          <p:cNvPr id="53" name="직사각형 52"/>
-          <p:cNvSpPr/>
-          <p:nvPr/>
-        </p:nvSpPr>
-        <p:spPr>
-          <a:xfrm>
-            <a:off x="5395200" y="3282396"/>
-            <a:ext cx="1421296" cy="387626"/>
-          </a:xfrm>
-          <a:prstGeom prst="rect">
-            <a:avLst/>
-          </a:prstGeom>
-          <a:solidFill>
-            <a:schemeClr val="accent2">
-              <a:lumMod val="20000"/>
-              <a:lumOff val="80000"/>
-            </a:schemeClr>
-          </a:solidFill>
-        </p:spPr>
-        <p:style>
-          <a:lnRef idx="2">
-            <a:schemeClr val="accent1">
-              <a:shade val="50000"/>
-            </a:schemeClr>
-          </a:lnRef>
-          <a:fillRef idx="1">
-            <a:schemeClr val="accent1"/>
-          </a:fillRef>
-          <a:effectRef idx="0">
-            <a:schemeClr val="accent1"/>
-          </a:effectRef>
-          <a:fontRef idx="minor">
-            <a:schemeClr val="lt1"/>
-          </a:fontRef>
-        </p:style>
-        <p:txBody>
-          <a:bodyPr rtlCol="0" anchor="ctr"/>
-          <a:lstStyle/>
-          <a:p>
-            <a:pPr algn="ctr"/>
-            <a:r>
-              <a:rPr lang="ko-KR" altLang="en-US" sz="1600" smtClean="0">
-                <a:solidFill>
-                  <a:schemeClr val="tx2">
-                    <a:lumMod val="50000"/>
-                  </a:schemeClr>
-                </a:solidFill>
-              </a:rPr>
-              <a:t>서비스 신청</a:t>
-            </a:r>
-            <a:endParaRPr lang="ko-KR" altLang="en-US" sz="1600">
-              <a:solidFill>
-                <a:schemeClr val="tx2">
-                  <a:lumMod val="50000"/>
-                </a:schemeClr>
-              </a:solidFill>
-            </a:endParaRPr>
-          </a:p>
-        </p:txBody>
-      </p:sp>
-      <p:sp>
-        <p:nvSpPr>
-          <p:cNvPr id="54" name="직사각형 53"/>
-          <p:cNvSpPr/>
-          <p:nvPr/>
-        </p:nvSpPr>
-        <p:spPr>
-          <a:xfrm>
-            <a:off x="3037082" y="2717109"/>
-            <a:ext cx="1767444" cy="387626"/>
-          </a:xfrm>
-          <a:prstGeom prst="rect">
-            <a:avLst/>
-          </a:prstGeom>
-          <a:solidFill>
-            <a:schemeClr val="accent2">
-              <a:lumMod val="20000"/>
-              <a:lumOff val="80000"/>
-            </a:schemeClr>
-          </a:solidFill>
-        </p:spPr>
-        <p:style>
-          <a:lnRef idx="2">
-            <a:schemeClr val="accent1">
-              <a:shade val="50000"/>
-            </a:schemeClr>
-          </a:lnRef>
-          <a:fillRef idx="1">
-            <a:schemeClr val="accent1"/>
-          </a:fillRef>
-          <a:effectRef idx="0">
-            <a:schemeClr val="accent1"/>
-          </a:effectRef>
-          <a:fontRef idx="minor">
-            <a:schemeClr val="lt1"/>
-          </a:fontRef>
-        </p:style>
-        <p:txBody>
-          <a:bodyPr rtlCol="0" anchor="ctr"/>
-          <a:lstStyle/>
-          <a:p>
-            <a:pPr algn="ctr"/>
-            <a:r>
-              <a:rPr lang="ko-KR" altLang="en-US" sz="1600" smtClean="0">
-                <a:solidFill>
-                  <a:schemeClr val="tx2">
-                    <a:lumMod val="50000"/>
-                  </a:schemeClr>
-                </a:solidFill>
-              </a:rPr>
-              <a:t>프로그램 리스트</a:t>
-            </a:r>
-            <a:endParaRPr lang="ko-KR" altLang="en-US" sz="1600">
-              <a:solidFill>
-                <a:schemeClr val="tx2">
-                  <a:lumMod val="50000"/>
-                </a:schemeClr>
-              </a:solidFill>
-            </a:endParaRPr>
-          </a:p>
-        </p:txBody>
-      </p:sp>
-      <p:sp>
-        <p:nvSpPr>
           <p:cNvPr id="55" name="직사각형 54"/>
           <p:cNvSpPr/>
           <p:nvPr/>
         </p:nvSpPr>
         <p:spPr>
           <a:xfrm>
-            <a:off x="3120521" y="3282396"/>
+            <a:off x="3884856" y="3282396"/>
             <a:ext cx="1594370" cy="387626"/>
           </a:xfrm>
           <a:prstGeom prst="rect">
@@ -11169,7 +11159,7 @@
         </p:nvCxnSpPr>
         <p:spPr>
           <a:xfrm>
-            <a:off x="8285861" y="2539447"/>
+            <a:off x="10176857" y="2539447"/>
             <a:ext cx="0" cy="174555"/>
           </a:xfrm>
           <a:prstGeom prst="straightConnector1">
@@ -11205,7 +11195,7 @@
         </p:nvCxnSpPr>
         <p:spPr>
           <a:xfrm>
-            <a:off x="8285861" y="3101628"/>
+            <a:off x="10176857" y="3101628"/>
             <a:ext cx="0" cy="174555"/>
           </a:xfrm>
           <a:prstGeom prst="straightConnector1">
@@ -11241,7 +11231,7 @@
         </p:nvCxnSpPr>
         <p:spPr>
           <a:xfrm>
-            <a:off x="8285861" y="3663809"/>
+            <a:off x="10176857" y="3663809"/>
             <a:ext cx="0" cy="174555"/>
           </a:xfrm>
           <a:prstGeom prst="straightConnector1">
@@ -11277,7 +11267,7 @@
         </p:nvCxnSpPr>
         <p:spPr>
           <a:xfrm>
-            <a:off x="8285861" y="4225990"/>
+            <a:off x="10176857" y="4225990"/>
             <a:ext cx="0" cy="174557"/>
           </a:xfrm>
           <a:prstGeom prst="straightConnector1">
@@ -11313,7 +11303,7 @@
         </p:nvCxnSpPr>
         <p:spPr>
           <a:xfrm>
-            <a:off x="3920804" y="2539447"/>
+            <a:off x="4685139" y="2539447"/>
             <a:ext cx="0" cy="177662"/>
           </a:xfrm>
           <a:prstGeom prst="line">
@@ -11346,7 +11336,7 @@
         </p:nvCxnSpPr>
         <p:spPr>
           <a:xfrm flipH="1">
-            <a:off x="3917706" y="3104735"/>
+            <a:off x="4682041" y="3104735"/>
             <a:ext cx="3098" cy="177661"/>
           </a:xfrm>
           <a:prstGeom prst="straightConnector1">
@@ -11382,7 +11372,7 @@
         </p:nvCxnSpPr>
         <p:spPr>
           <a:xfrm>
-            <a:off x="6105848" y="2544417"/>
+            <a:off x="7335439" y="2544417"/>
             <a:ext cx="0" cy="175177"/>
           </a:xfrm>
           <a:prstGeom prst="line">
@@ -11415,7 +11405,7 @@
         </p:nvCxnSpPr>
         <p:spPr>
           <a:xfrm>
-            <a:off x="6105848" y="3107220"/>
+            <a:off x="7335439" y="3107220"/>
             <a:ext cx="0" cy="175176"/>
           </a:xfrm>
           <a:prstGeom prst="straightConnector1">
@@ -11487,8 +11477,8 @@
         </p:nvCxnSpPr>
         <p:spPr>
           <a:xfrm rot="16200000" flipH="1">
-            <a:off x="4785389" y="836332"/>
-            <a:ext cx="685800" cy="1955118"/>
+            <a:off x="5400184" y="221536"/>
+            <a:ext cx="685800" cy="3184709"/>
           </a:xfrm>
           <a:prstGeom prst="bentConnector3">
             <a:avLst/>
@@ -11522,9 +11512,9 @@
           <p:nvPr/>
         </p:nvCxnSpPr>
         <p:spPr>
-          <a:xfrm rot="5400000">
-            <a:off x="3695352" y="1696443"/>
-            <a:ext cx="680830" cy="229926"/>
+          <a:xfrm rot="16200000" flipH="1">
+            <a:off x="4077519" y="1544201"/>
+            <a:ext cx="680830" cy="534409"/>
           </a:xfrm>
           <a:prstGeom prst="bentConnector3">
             <a:avLst/>
@@ -11556,8 +11546,8 @@
         </p:nvSpPr>
         <p:spPr>
           <a:xfrm>
-            <a:off x="2559234" y="5695117"/>
-            <a:ext cx="1900844" cy="387626"/>
+            <a:off x="2884757" y="5888933"/>
+            <a:ext cx="1791575" cy="387626"/>
           </a:xfrm>
           <a:prstGeom prst="rect">
             <a:avLst/>
@@ -11618,12 +11608,204 @@
         </p:nvCxnSpPr>
         <p:spPr>
           <a:xfrm flipV="1">
-            <a:off x="3509656" y="5305524"/>
-            <a:ext cx="0" cy="389593"/>
+            <a:off x="3780545" y="5598731"/>
+            <a:ext cx="0" cy="290202"/>
           </a:xfrm>
           <a:prstGeom prst="line">
             <a:avLst/>
           </a:prstGeom>
+        </p:spPr>
+        <p:style>
+          <a:lnRef idx="1">
+            <a:schemeClr val="accent1"/>
+          </a:lnRef>
+          <a:fillRef idx="0">
+            <a:schemeClr val="accent1"/>
+          </a:fillRef>
+          <a:effectRef idx="0">
+            <a:schemeClr val="accent1"/>
+          </a:effectRef>
+          <a:fontRef idx="minor">
+            <a:schemeClr val="tx1"/>
+          </a:fontRef>
+        </p:style>
+      </p:cxnSp>
+      <p:cxnSp>
+        <p:nvCxnSpPr>
+          <p:cNvPr id="7" name="꺾인 연결선 6"/>
+          <p:cNvCxnSpPr>
+            <a:stCxn id="55" idx="2"/>
+            <a:endCxn id="48" idx="0"/>
+          </p:cNvCxnSpPr>
+          <p:nvPr/>
+        </p:nvCxnSpPr>
+        <p:spPr>
+          <a:xfrm rot="5400000">
+            <a:off x="2416824" y="2945887"/>
+            <a:ext cx="1541083" cy="2989353"/>
+          </a:xfrm>
+          <a:prstGeom prst="bentConnector3">
+            <a:avLst>
+              <a:gd name="adj1" fmla="val 46775"/>
+            </a:avLst>
+          </a:prstGeom>
+          <a:ln>
+            <a:solidFill>
+              <a:schemeClr val="accent1"/>
+            </a:solidFill>
+            <a:tailEnd type="arrow"/>
+          </a:ln>
+        </p:spPr>
+        <p:style>
+          <a:lnRef idx="1">
+            <a:schemeClr val="accent1"/>
+          </a:lnRef>
+          <a:fillRef idx="0">
+            <a:schemeClr val="accent1"/>
+          </a:fillRef>
+          <a:effectRef idx="0">
+            <a:schemeClr val="accent1"/>
+          </a:effectRef>
+          <a:fontRef idx="minor">
+            <a:schemeClr val="tx1"/>
+          </a:fontRef>
+        </p:style>
+      </p:cxnSp>
+      <p:cxnSp>
+        <p:nvCxnSpPr>
+          <p:cNvPr id="14" name="꺾인 연결선 13"/>
+          <p:cNvCxnSpPr>
+            <a:stCxn id="53" idx="2"/>
+            <a:endCxn id="37" idx="0"/>
+          </p:cNvCxnSpPr>
+          <p:nvPr/>
+        </p:nvCxnSpPr>
+        <p:spPr>
+          <a:xfrm rot="5400000">
+            <a:off x="4787451" y="2663116"/>
+            <a:ext cx="1541083" cy="3554894"/>
+          </a:xfrm>
+          <a:prstGeom prst="bentConnector3">
+            <a:avLst>
+              <a:gd name="adj1" fmla="val 50000"/>
+            </a:avLst>
+          </a:prstGeom>
+          <a:ln>
+            <a:tailEnd type="arrow"/>
+          </a:ln>
+        </p:spPr>
+        <p:style>
+          <a:lnRef idx="1">
+            <a:schemeClr val="accent1"/>
+          </a:lnRef>
+          <a:fillRef idx="0">
+            <a:schemeClr val="accent1"/>
+          </a:fillRef>
+          <a:effectRef idx="0">
+            <a:schemeClr val="accent1"/>
+          </a:effectRef>
+          <a:fontRef idx="minor">
+            <a:schemeClr val="tx1"/>
+          </a:fontRef>
+        </p:style>
+      </p:cxnSp>
+      <p:cxnSp>
+        <p:nvCxnSpPr>
+          <p:cNvPr id="67" name="꺾인 연결선 66"/>
+          <p:cNvCxnSpPr>
+            <a:stCxn id="33" idx="1"/>
+            <a:endCxn id="49" idx="0"/>
+          </p:cNvCxnSpPr>
+          <p:nvPr/>
+        </p:nvCxnSpPr>
+        <p:spPr>
+          <a:xfrm rot="10800000" flipV="1">
+            <a:off x="5887359" y="4594359"/>
+            <a:ext cx="3578851" cy="616747"/>
+          </a:xfrm>
+          <a:prstGeom prst="bentConnector2">
+            <a:avLst/>
+          </a:prstGeom>
+          <a:ln>
+            <a:solidFill>
+              <a:schemeClr val="accent1"/>
+            </a:solidFill>
+            <a:tailEnd type="arrow"/>
+          </a:ln>
+        </p:spPr>
+        <p:style>
+          <a:lnRef idx="1">
+            <a:schemeClr val="accent1"/>
+          </a:lnRef>
+          <a:fillRef idx="0">
+            <a:schemeClr val="accent1"/>
+          </a:fillRef>
+          <a:effectRef idx="0">
+            <a:schemeClr val="accent1"/>
+          </a:effectRef>
+          <a:fontRef idx="minor">
+            <a:schemeClr val="tx1"/>
+          </a:fontRef>
+        </p:style>
+      </p:cxnSp>
+      <p:cxnSp>
+        <p:nvCxnSpPr>
+          <p:cNvPr id="91" name="꺾인 연결선 90"/>
+          <p:cNvCxnSpPr>
+            <a:stCxn id="41" idx="3"/>
+            <a:endCxn id="31" idx="1"/>
+          </p:cNvCxnSpPr>
+          <p:nvPr/>
+        </p:nvCxnSpPr>
+        <p:spPr>
+          <a:xfrm flipV="1">
+            <a:off x="8536268" y="4032177"/>
+            <a:ext cx="929941" cy="1372742"/>
+          </a:xfrm>
+          <a:prstGeom prst="bentConnector3">
+            <a:avLst>
+              <a:gd name="adj1" fmla="val 50000"/>
+            </a:avLst>
+          </a:prstGeom>
+          <a:ln>
+            <a:tailEnd type="arrow"/>
+          </a:ln>
+        </p:spPr>
+        <p:style>
+          <a:lnRef idx="1">
+            <a:schemeClr val="accent1"/>
+          </a:lnRef>
+          <a:fillRef idx="0">
+            <a:schemeClr val="accent1"/>
+          </a:fillRef>
+          <a:effectRef idx="0">
+            <a:schemeClr val="accent1"/>
+          </a:effectRef>
+          <a:fontRef idx="minor">
+            <a:schemeClr val="tx1"/>
+          </a:fontRef>
+        </p:style>
+      </p:cxnSp>
+      <p:cxnSp>
+        <p:nvCxnSpPr>
+          <p:cNvPr id="158" name="직선 화살표 연결선 157"/>
+          <p:cNvCxnSpPr>
+            <a:stCxn id="41" idx="0"/>
+            <a:endCxn id="38" idx="2"/>
+          </p:cNvCxnSpPr>
+          <p:nvPr/>
+        </p:nvCxnSpPr>
+        <p:spPr>
+          <a:xfrm flipV="1">
+            <a:off x="7825620" y="5039342"/>
+            <a:ext cx="0" cy="171764"/>
+          </a:xfrm>
+          <a:prstGeom prst="straightConnector1">
+            <a:avLst/>
+          </a:prstGeom>
+          <a:ln>
+            <a:tailEnd type="arrow"/>
+          </a:ln>
         </p:spPr>
         <p:style>
           <a:lnRef idx="1">
@@ -11682,7 +11864,7 @@
           <p:cNvPr id="2" name="직사각형 1">
             <a:extLst>
               <a:ext uri="{FF2B5EF4-FFF2-40B4-BE49-F238E27FC236}">
-                <a16:creationId xmlns="" xmlns:a16="http://schemas.microsoft.com/office/drawing/2014/main" id="{8E5B996D-DF87-49E5-95D1-45B1EEB9EE9A}"/>
+                <a16:creationId xmlns:a16="http://schemas.microsoft.com/office/drawing/2014/main" xmlns="" id="{8E5B996D-DF87-49E5-95D1-45B1EEB9EE9A}"/>
               </a:ext>
             </a:extLst>
           </p:cNvPr>
@@ -11734,7 +11916,7 @@
           <p:cNvPr id="4" name="직사각형 3">
             <a:extLst>
               <a:ext uri="{FF2B5EF4-FFF2-40B4-BE49-F238E27FC236}">
-                <a16:creationId xmlns="" xmlns:a16="http://schemas.microsoft.com/office/drawing/2014/main" id="{080CEE4E-4BCA-42C3-BECA-9BCEB9931EEA}"/>
+                <a16:creationId xmlns:a16="http://schemas.microsoft.com/office/drawing/2014/main" xmlns="" id="{080CEE4E-4BCA-42C3-BECA-9BCEB9931EEA}"/>
               </a:ext>
             </a:extLst>
           </p:cNvPr>
@@ -11786,7 +11968,7 @@
           <p:cNvPr id="5" name="TextBox 4">
             <a:extLst>
               <a:ext uri="{FF2B5EF4-FFF2-40B4-BE49-F238E27FC236}">
-                <a16:creationId xmlns="" xmlns:a16="http://schemas.microsoft.com/office/drawing/2014/main" id="{D12B0B12-AB99-4F88-B4B2-948DADC833EA}"/>
+                <a16:creationId xmlns:a16="http://schemas.microsoft.com/office/drawing/2014/main" xmlns="" id="{D12B0B12-AB99-4F88-B4B2-948DADC833EA}"/>
               </a:ext>
             </a:extLst>
           </p:cNvPr>
@@ -11905,7 +12087,7 @@
           <p:cNvPr id="9" name="그림 8">
             <a:extLst>
               <a:ext uri="{FF2B5EF4-FFF2-40B4-BE49-F238E27FC236}">
-                <a16:creationId xmlns="" xmlns:a16="http://schemas.microsoft.com/office/drawing/2014/main" id="{0F0992E8-2696-42E6-805A-0C12780D8FA1}"/>
+                <a16:creationId xmlns:a16="http://schemas.microsoft.com/office/drawing/2014/main" xmlns="" id="{0F0992E8-2696-42E6-805A-0C12780D8FA1}"/>
               </a:ext>
             </a:extLst>
           </p:cNvPr>
@@ -12269,7 +12451,7 @@
           <p:cNvPr id="8" name="직사각형 7">
             <a:extLst>
               <a:ext uri="{FF2B5EF4-FFF2-40B4-BE49-F238E27FC236}">
-                <a16:creationId xmlns="" xmlns:a16="http://schemas.microsoft.com/office/drawing/2014/main" id="{48C9AC18-6F8F-4CAC-A71D-F832DC910868}"/>
+                <a16:creationId xmlns:a16="http://schemas.microsoft.com/office/drawing/2014/main" xmlns="" id="{48C9AC18-6F8F-4CAC-A71D-F832DC910868}"/>
               </a:ext>
             </a:extLst>
           </p:cNvPr>
@@ -12317,7 +12499,7 @@
           <p:cNvPr id="14" name="직사각형 13">
             <a:extLst>
               <a:ext uri="{FF2B5EF4-FFF2-40B4-BE49-F238E27FC236}">
-                <a16:creationId xmlns="" xmlns:a16="http://schemas.microsoft.com/office/drawing/2014/main" id="{CB5C1986-20DE-450C-8EEE-D8BEE2F850C6}"/>
+                <a16:creationId xmlns:a16="http://schemas.microsoft.com/office/drawing/2014/main" xmlns="" id="{CB5C1986-20DE-450C-8EEE-D8BEE2F850C6}"/>
               </a:ext>
             </a:extLst>
           </p:cNvPr>
@@ -12365,7 +12547,7 @@
           <p:cNvPr id="17" name="TextBox 16">
             <a:extLst>
               <a:ext uri="{FF2B5EF4-FFF2-40B4-BE49-F238E27FC236}">
-                <a16:creationId xmlns="" xmlns:a16="http://schemas.microsoft.com/office/drawing/2014/main" id="{B59EE5C3-D579-4CF1-BDF9-7E364B23D4EE}"/>
+                <a16:creationId xmlns:a16="http://schemas.microsoft.com/office/drawing/2014/main" xmlns="" id="{B59EE5C3-D579-4CF1-BDF9-7E364B23D4EE}"/>
               </a:ext>
             </a:extLst>
           </p:cNvPr>
@@ -12406,7 +12588,7 @@
           <p:cNvPr id="40" name="TextBox 39">
             <a:extLst>
               <a:ext uri="{FF2B5EF4-FFF2-40B4-BE49-F238E27FC236}">
-                <a16:creationId xmlns="" xmlns:a16="http://schemas.microsoft.com/office/drawing/2014/main" id="{606CB3EF-BD67-454E-8D48-D30774CEE106}"/>
+                <a16:creationId xmlns:a16="http://schemas.microsoft.com/office/drawing/2014/main" xmlns="" id="{606CB3EF-BD67-454E-8D48-D30774CEE106}"/>
               </a:ext>
             </a:extLst>
           </p:cNvPr>
@@ -12442,7 +12624,7 @@
           <p:cNvPr id="41" name="TextBox 40">
             <a:extLst>
               <a:ext uri="{FF2B5EF4-FFF2-40B4-BE49-F238E27FC236}">
-                <a16:creationId xmlns="" xmlns:a16="http://schemas.microsoft.com/office/drawing/2014/main" id="{6ECBB3D4-2156-4986-9434-EA8F60CE59E0}"/>
+                <a16:creationId xmlns:a16="http://schemas.microsoft.com/office/drawing/2014/main" xmlns="" id="{6ECBB3D4-2156-4986-9434-EA8F60CE59E0}"/>
               </a:ext>
             </a:extLst>
           </p:cNvPr>
@@ -12478,7 +12660,7 @@
           <p:cNvPr id="42" name="직선 연결선 41">
             <a:extLst>
               <a:ext uri="{FF2B5EF4-FFF2-40B4-BE49-F238E27FC236}">
-                <a16:creationId xmlns="" xmlns:a16="http://schemas.microsoft.com/office/drawing/2014/main" id="{A723CFAC-181E-4ABB-8790-FEC42B087A83}"/>
+                <a16:creationId xmlns:a16="http://schemas.microsoft.com/office/drawing/2014/main" xmlns="" id="{A723CFAC-181E-4ABB-8790-FEC42B087A83}"/>
               </a:ext>
             </a:extLst>
           </p:cNvPr>
@@ -12514,7 +12696,7 @@
           <p:cNvPr id="45" name="TextBox 44">
             <a:extLst>
               <a:ext uri="{FF2B5EF4-FFF2-40B4-BE49-F238E27FC236}">
-                <a16:creationId xmlns="" xmlns:a16="http://schemas.microsoft.com/office/drawing/2014/main" id="{78ADDD66-9CDE-4CA6-938D-D34562AC7F09}"/>
+                <a16:creationId xmlns:a16="http://schemas.microsoft.com/office/drawing/2014/main" xmlns="" id="{78ADDD66-9CDE-4CA6-938D-D34562AC7F09}"/>
               </a:ext>
             </a:extLst>
           </p:cNvPr>
@@ -12550,7 +12732,7 @@
           <p:cNvPr id="48" name="직사각형 47">
             <a:extLst>
               <a:ext uri="{FF2B5EF4-FFF2-40B4-BE49-F238E27FC236}">
-                <a16:creationId xmlns="" xmlns:a16="http://schemas.microsoft.com/office/drawing/2014/main" id="{2DD24BCC-FCE6-4F3D-9102-0338A277724E}"/>
+                <a16:creationId xmlns:a16="http://schemas.microsoft.com/office/drawing/2014/main" xmlns="" id="{2DD24BCC-FCE6-4F3D-9102-0338A277724E}"/>
               </a:ext>
             </a:extLst>
           </p:cNvPr>
@@ -12604,7 +12786,7 @@
           <p:cNvPr id="49" name="직사각형 48">
             <a:extLst>
               <a:ext uri="{FF2B5EF4-FFF2-40B4-BE49-F238E27FC236}">
-                <a16:creationId xmlns="" xmlns:a16="http://schemas.microsoft.com/office/drawing/2014/main" id="{D47A0DF5-CA84-4554-81E3-2D51D35F259C}"/>
+                <a16:creationId xmlns:a16="http://schemas.microsoft.com/office/drawing/2014/main" xmlns="" id="{D47A0DF5-CA84-4554-81E3-2D51D35F259C}"/>
               </a:ext>
             </a:extLst>
           </p:cNvPr>
@@ -12658,7 +12840,7 @@
           <p:cNvPr id="50" name="직선 연결선 49">
             <a:extLst>
               <a:ext uri="{FF2B5EF4-FFF2-40B4-BE49-F238E27FC236}">
-                <a16:creationId xmlns="" xmlns:a16="http://schemas.microsoft.com/office/drawing/2014/main" id="{BBD31C63-515F-4941-8A12-DD68C1031400}"/>
+                <a16:creationId xmlns:a16="http://schemas.microsoft.com/office/drawing/2014/main" xmlns="" id="{BBD31C63-515F-4941-8A12-DD68C1031400}"/>
               </a:ext>
             </a:extLst>
           </p:cNvPr>
@@ -12699,7 +12881,7 @@
           <p:cNvPr id="51" name="직선 화살표 연결선 50">
             <a:extLst>
               <a:ext uri="{FF2B5EF4-FFF2-40B4-BE49-F238E27FC236}">
-                <a16:creationId xmlns="" xmlns:a16="http://schemas.microsoft.com/office/drawing/2014/main" id="{C6189FF7-B2B4-4F58-A62C-4552AA855088}"/>
+                <a16:creationId xmlns:a16="http://schemas.microsoft.com/office/drawing/2014/main" xmlns="" id="{C6189FF7-B2B4-4F58-A62C-4552AA855088}"/>
               </a:ext>
             </a:extLst>
           </p:cNvPr>
@@ -12743,7 +12925,7 @@
           <p:cNvPr id="53" name="직선 화살표 연결선 52">
             <a:extLst>
               <a:ext uri="{FF2B5EF4-FFF2-40B4-BE49-F238E27FC236}">
-                <a16:creationId xmlns="" xmlns:a16="http://schemas.microsoft.com/office/drawing/2014/main" id="{6ADB57C1-71A6-460D-8130-56C2C112542B}"/>
+                <a16:creationId xmlns:a16="http://schemas.microsoft.com/office/drawing/2014/main" xmlns="" id="{6ADB57C1-71A6-460D-8130-56C2C112542B}"/>
               </a:ext>
             </a:extLst>
           </p:cNvPr>
@@ -12787,7 +12969,7 @@
           <p:cNvPr id="54" name="TextBox 53">
             <a:extLst>
               <a:ext uri="{FF2B5EF4-FFF2-40B4-BE49-F238E27FC236}">
-                <a16:creationId xmlns="" xmlns:a16="http://schemas.microsoft.com/office/drawing/2014/main" id="{CDE1AA9D-8128-4666-8D15-1D04133230F9}"/>
+                <a16:creationId xmlns:a16="http://schemas.microsoft.com/office/drawing/2014/main" xmlns="" id="{CDE1AA9D-8128-4666-8D15-1D04133230F9}"/>
               </a:ext>
             </a:extLst>
           </p:cNvPr>
@@ -12823,7 +13005,7 @@
           <p:cNvPr id="56" name="TextBox 55">
             <a:extLst>
               <a:ext uri="{FF2B5EF4-FFF2-40B4-BE49-F238E27FC236}">
-                <a16:creationId xmlns="" xmlns:a16="http://schemas.microsoft.com/office/drawing/2014/main" id="{9CCCD44E-9A9A-4ED8-A5D1-4872F5E16D21}"/>
+                <a16:creationId xmlns:a16="http://schemas.microsoft.com/office/drawing/2014/main" xmlns="" id="{9CCCD44E-9A9A-4ED8-A5D1-4872F5E16D21}"/>
               </a:ext>
             </a:extLst>
           </p:cNvPr>
@@ -12936,7 +13118,7 @@
           <p:cNvPr id="52" name="TextBox 51">
             <a:extLst>
               <a:ext uri="{FF2B5EF4-FFF2-40B4-BE49-F238E27FC236}">
-                <a16:creationId xmlns="" xmlns:a16="http://schemas.microsoft.com/office/drawing/2014/main" id="{B59EE5C3-D579-4CF1-BDF9-7E364B23D4EE}"/>
+                <a16:creationId xmlns:a16="http://schemas.microsoft.com/office/drawing/2014/main" xmlns="" id="{B59EE5C3-D579-4CF1-BDF9-7E364B23D4EE}"/>
               </a:ext>
             </a:extLst>
           </p:cNvPr>
@@ -12976,7 +13158,7 @@
           <p:cNvPr id="55" name="직사각형 54">
             <a:extLst>
               <a:ext uri="{FF2B5EF4-FFF2-40B4-BE49-F238E27FC236}">
-                <a16:creationId xmlns="" xmlns:a16="http://schemas.microsoft.com/office/drawing/2014/main" id="{48C9AC18-6F8F-4CAC-A71D-F832DC910868}"/>
+                <a16:creationId xmlns:a16="http://schemas.microsoft.com/office/drawing/2014/main" xmlns="" id="{48C9AC18-6F8F-4CAC-A71D-F832DC910868}"/>
               </a:ext>
             </a:extLst>
           </p:cNvPr>
@@ -13024,7 +13206,7 @@
           <p:cNvPr id="57" name="TextBox 56">
             <a:extLst>
               <a:ext uri="{FF2B5EF4-FFF2-40B4-BE49-F238E27FC236}">
-                <a16:creationId xmlns="" xmlns:a16="http://schemas.microsoft.com/office/drawing/2014/main" id="{B59EE5C3-D579-4CF1-BDF9-7E364B23D4EE}"/>
+                <a16:creationId xmlns:a16="http://schemas.microsoft.com/office/drawing/2014/main" xmlns="" id="{B59EE5C3-D579-4CF1-BDF9-7E364B23D4EE}"/>
               </a:ext>
             </a:extLst>
           </p:cNvPr>
@@ -13061,7 +13243,7 @@
           <p:cNvPr id="58" name="직사각형 57">
             <a:extLst>
               <a:ext uri="{FF2B5EF4-FFF2-40B4-BE49-F238E27FC236}">
-                <a16:creationId xmlns="" xmlns:a16="http://schemas.microsoft.com/office/drawing/2014/main" id="{48C9AC18-6F8F-4CAC-A71D-F832DC910868}"/>
+                <a16:creationId xmlns:a16="http://schemas.microsoft.com/office/drawing/2014/main" xmlns="" id="{48C9AC18-6F8F-4CAC-A71D-F832DC910868}"/>
               </a:ext>
             </a:extLst>
           </p:cNvPr>
@@ -13109,7 +13291,7 @@
           <p:cNvPr id="59" name="TextBox 58">
             <a:extLst>
               <a:ext uri="{FF2B5EF4-FFF2-40B4-BE49-F238E27FC236}">
-                <a16:creationId xmlns="" xmlns:a16="http://schemas.microsoft.com/office/drawing/2014/main" id="{B59EE5C3-D579-4CF1-BDF9-7E364B23D4EE}"/>
+                <a16:creationId xmlns:a16="http://schemas.microsoft.com/office/drawing/2014/main" xmlns="" id="{B59EE5C3-D579-4CF1-BDF9-7E364B23D4EE}"/>
               </a:ext>
             </a:extLst>
           </p:cNvPr>
@@ -13146,7 +13328,7 @@
           <p:cNvPr id="60" name="직사각형 59">
             <a:extLst>
               <a:ext uri="{FF2B5EF4-FFF2-40B4-BE49-F238E27FC236}">
-                <a16:creationId xmlns="" xmlns:a16="http://schemas.microsoft.com/office/drawing/2014/main" id="{48C9AC18-6F8F-4CAC-A71D-F832DC910868}"/>
+                <a16:creationId xmlns:a16="http://schemas.microsoft.com/office/drawing/2014/main" xmlns="" id="{48C9AC18-6F8F-4CAC-A71D-F832DC910868}"/>
               </a:ext>
             </a:extLst>
           </p:cNvPr>
@@ -13194,7 +13376,7 @@
           <p:cNvPr id="61" name="TextBox 60">
             <a:extLst>
               <a:ext uri="{FF2B5EF4-FFF2-40B4-BE49-F238E27FC236}">
-                <a16:creationId xmlns="" xmlns:a16="http://schemas.microsoft.com/office/drawing/2014/main" id="{B59EE5C3-D579-4CF1-BDF9-7E364B23D4EE}"/>
+                <a16:creationId xmlns:a16="http://schemas.microsoft.com/office/drawing/2014/main" xmlns="" id="{B59EE5C3-D579-4CF1-BDF9-7E364B23D4EE}"/>
               </a:ext>
             </a:extLst>
           </p:cNvPr>
@@ -13231,7 +13413,7 @@
           <p:cNvPr id="63" name="직사각형 62">
             <a:extLst>
               <a:ext uri="{FF2B5EF4-FFF2-40B4-BE49-F238E27FC236}">
-                <a16:creationId xmlns="" xmlns:a16="http://schemas.microsoft.com/office/drawing/2014/main" id="{48C9AC18-6F8F-4CAC-A71D-F832DC910868}"/>
+                <a16:creationId xmlns:a16="http://schemas.microsoft.com/office/drawing/2014/main" xmlns="" id="{48C9AC18-6F8F-4CAC-A71D-F832DC910868}"/>
               </a:ext>
             </a:extLst>
           </p:cNvPr>
@@ -13279,7 +13461,7 @@
           <p:cNvPr id="64" name="TextBox 63">
             <a:extLst>
               <a:ext uri="{FF2B5EF4-FFF2-40B4-BE49-F238E27FC236}">
-                <a16:creationId xmlns="" xmlns:a16="http://schemas.microsoft.com/office/drawing/2014/main" id="{B59EE5C3-D579-4CF1-BDF9-7E364B23D4EE}"/>
+                <a16:creationId xmlns:a16="http://schemas.microsoft.com/office/drawing/2014/main" xmlns="" id="{B59EE5C3-D579-4CF1-BDF9-7E364B23D4EE}"/>
               </a:ext>
             </a:extLst>
           </p:cNvPr>
@@ -13316,7 +13498,7 @@
           <p:cNvPr id="65" name="직사각형 64">
             <a:extLst>
               <a:ext uri="{FF2B5EF4-FFF2-40B4-BE49-F238E27FC236}">
-                <a16:creationId xmlns="" xmlns:a16="http://schemas.microsoft.com/office/drawing/2014/main" id="{48C9AC18-6F8F-4CAC-A71D-F832DC910868}"/>
+                <a16:creationId xmlns:a16="http://schemas.microsoft.com/office/drawing/2014/main" xmlns="" id="{48C9AC18-6F8F-4CAC-A71D-F832DC910868}"/>
               </a:ext>
             </a:extLst>
           </p:cNvPr>
@@ -13364,7 +13546,7 @@
           <p:cNvPr id="66" name="TextBox 65">
             <a:extLst>
               <a:ext uri="{FF2B5EF4-FFF2-40B4-BE49-F238E27FC236}">
-                <a16:creationId xmlns="" xmlns:a16="http://schemas.microsoft.com/office/drawing/2014/main" id="{B59EE5C3-D579-4CF1-BDF9-7E364B23D4EE}"/>
+                <a16:creationId xmlns:a16="http://schemas.microsoft.com/office/drawing/2014/main" xmlns="" id="{B59EE5C3-D579-4CF1-BDF9-7E364B23D4EE}"/>
               </a:ext>
             </a:extLst>
           </p:cNvPr>
@@ -13401,7 +13583,7 @@
           <p:cNvPr id="79" name="직사각형 78">
             <a:extLst>
               <a:ext uri="{FF2B5EF4-FFF2-40B4-BE49-F238E27FC236}">
-                <a16:creationId xmlns="" xmlns:a16="http://schemas.microsoft.com/office/drawing/2014/main" id="{CB5C1986-20DE-450C-8EEE-D8BEE2F850C6}"/>
+                <a16:creationId xmlns:a16="http://schemas.microsoft.com/office/drawing/2014/main" xmlns="" id="{CB5C1986-20DE-450C-8EEE-D8BEE2F850C6}"/>
               </a:ext>
             </a:extLst>
           </p:cNvPr>
@@ -13449,7 +13631,7 @@
           <p:cNvPr id="80" name="직사각형 79">
             <a:extLst>
               <a:ext uri="{FF2B5EF4-FFF2-40B4-BE49-F238E27FC236}">
-                <a16:creationId xmlns="" xmlns:a16="http://schemas.microsoft.com/office/drawing/2014/main" id="{48C9AC18-6F8F-4CAC-A71D-F832DC910868}"/>
+                <a16:creationId xmlns:a16="http://schemas.microsoft.com/office/drawing/2014/main" xmlns="" id="{48C9AC18-6F8F-4CAC-A71D-F832DC910868}"/>
               </a:ext>
             </a:extLst>
           </p:cNvPr>
@@ -13497,7 +13679,7 @@
           <p:cNvPr id="81" name="TextBox 80">
             <a:extLst>
               <a:ext uri="{FF2B5EF4-FFF2-40B4-BE49-F238E27FC236}">
-                <a16:creationId xmlns="" xmlns:a16="http://schemas.microsoft.com/office/drawing/2014/main" id="{B59EE5C3-D579-4CF1-BDF9-7E364B23D4EE}"/>
+                <a16:creationId xmlns:a16="http://schemas.microsoft.com/office/drawing/2014/main" xmlns="" id="{B59EE5C3-D579-4CF1-BDF9-7E364B23D4EE}"/>
               </a:ext>
             </a:extLst>
           </p:cNvPr>
@@ -13534,7 +13716,7 @@
           <p:cNvPr id="82" name="TextBox 81">
             <a:extLst>
               <a:ext uri="{FF2B5EF4-FFF2-40B4-BE49-F238E27FC236}">
-                <a16:creationId xmlns="" xmlns:a16="http://schemas.microsoft.com/office/drawing/2014/main" id="{B59EE5C3-D579-4CF1-BDF9-7E364B23D4EE}"/>
+                <a16:creationId xmlns:a16="http://schemas.microsoft.com/office/drawing/2014/main" xmlns="" id="{B59EE5C3-D579-4CF1-BDF9-7E364B23D4EE}"/>
               </a:ext>
             </a:extLst>
           </p:cNvPr>
@@ -13574,7 +13756,7 @@
           <p:cNvPr id="85" name="직사각형 84">
             <a:extLst>
               <a:ext uri="{FF2B5EF4-FFF2-40B4-BE49-F238E27FC236}">
-                <a16:creationId xmlns="" xmlns:a16="http://schemas.microsoft.com/office/drawing/2014/main" id="{48C9AC18-6F8F-4CAC-A71D-F832DC910868}"/>
+                <a16:creationId xmlns:a16="http://schemas.microsoft.com/office/drawing/2014/main" xmlns="" id="{48C9AC18-6F8F-4CAC-A71D-F832DC910868}"/>
               </a:ext>
             </a:extLst>
           </p:cNvPr>
@@ -13622,7 +13804,7 @@
           <p:cNvPr id="86" name="TextBox 85">
             <a:extLst>
               <a:ext uri="{FF2B5EF4-FFF2-40B4-BE49-F238E27FC236}">
-                <a16:creationId xmlns="" xmlns:a16="http://schemas.microsoft.com/office/drawing/2014/main" id="{B59EE5C3-D579-4CF1-BDF9-7E364B23D4EE}"/>
+                <a16:creationId xmlns:a16="http://schemas.microsoft.com/office/drawing/2014/main" xmlns="" id="{B59EE5C3-D579-4CF1-BDF9-7E364B23D4EE}"/>
               </a:ext>
             </a:extLst>
           </p:cNvPr>
@@ -13696,7 +13878,7 @@
           <p:cNvPr id="2" name="직사각형 1">
             <a:extLst>
               <a:ext uri="{FF2B5EF4-FFF2-40B4-BE49-F238E27FC236}">
-                <a16:creationId xmlns="" xmlns:a16="http://schemas.microsoft.com/office/drawing/2014/main" id="{8E5B996D-DF87-49E5-95D1-45B1EEB9EE9A}"/>
+                <a16:creationId xmlns:a16="http://schemas.microsoft.com/office/drawing/2014/main" xmlns="" id="{8E5B996D-DF87-49E5-95D1-45B1EEB9EE9A}"/>
               </a:ext>
             </a:extLst>
           </p:cNvPr>
@@ -13748,7 +13930,7 @@
           <p:cNvPr id="4" name="직사각형 3">
             <a:extLst>
               <a:ext uri="{FF2B5EF4-FFF2-40B4-BE49-F238E27FC236}">
-                <a16:creationId xmlns="" xmlns:a16="http://schemas.microsoft.com/office/drawing/2014/main" id="{080CEE4E-4BCA-42C3-BECA-9BCEB9931EEA}"/>
+                <a16:creationId xmlns:a16="http://schemas.microsoft.com/office/drawing/2014/main" xmlns="" id="{080CEE4E-4BCA-42C3-BECA-9BCEB9931EEA}"/>
               </a:ext>
             </a:extLst>
           </p:cNvPr>
@@ -13800,7 +13982,7 @@
           <p:cNvPr id="5" name="TextBox 4">
             <a:extLst>
               <a:ext uri="{FF2B5EF4-FFF2-40B4-BE49-F238E27FC236}">
-                <a16:creationId xmlns="" xmlns:a16="http://schemas.microsoft.com/office/drawing/2014/main" id="{D12B0B12-AB99-4F88-B4B2-948DADC833EA}"/>
+                <a16:creationId xmlns:a16="http://schemas.microsoft.com/office/drawing/2014/main" xmlns="" id="{D12B0B12-AB99-4F88-B4B2-948DADC833EA}"/>
               </a:ext>
             </a:extLst>
           </p:cNvPr>
@@ -13919,7 +14101,7 @@
           <p:cNvPr id="9" name="그림 8">
             <a:extLst>
               <a:ext uri="{FF2B5EF4-FFF2-40B4-BE49-F238E27FC236}">
-                <a16:creationId xmlns="" xmlns:a16="http://schemas.microsoft.com/office/drawing/2014/main" id="{0F0992E8-2696-42E6-805A-0C12780D8FA1}"/>
+                <a16:creationId xmlns:a16="http://schemas.microsoft.com/office/drawing/2014/main" xmlns="" id="{0F0992E8-2696-42E6-805A-0C12780D8FA1}"/>
               </a:ext>
             </a:extLst>
           </p:cNvPr>
@@ -14283,7 +14465,7 @@
           <p:cNvPr id="14" name="직사각형 13">
             <a:extLst>
               <a:ext uri="{FF2B5EF4-FFF2-40B4-BE49-F238E27FC236}">
-                <a16:creationId xmlns="" xmlns:a16="http://schemas.microsoft.com/office/drawing/2014/main" id="{CB5C1986-20DE-450C-8EEE-D8BEE2F850C6}"/>
+                <a16:creationId xmlns:a16="http://schemas.microsoft.com/office/drawing/2014/main" xmlns="" id="{CB5C1986-20DE-450C-8EEE-D8BEE2F850C6}"/>
               </a:ext>
             </a:extLst>
           </p:cNvPr>
@@ -14331,7 +14513,7 @@
           <p:cNvPr id="40" name="TextBox 39">
             <a:extLst>
               <a:ext uri="{FF2B5EF4-FFF2-40B4-BE49-F238E27FC236}">
-                <a16:creationId xmlns="" xmlns:a16="http://schemas.microsoft.com/office/drawing/2014/main" id="{606CB3EF-BD67-454E-8D48-D30774CEE106}"/>
+                <a16:creationId xmlns:a16="http://schemas.microsoft.com/office/drawing/2014/main" xmlns="" id="{606CB3EF-BD67-454E-8D48-D30774CEE106}"/>
               </a:ext>
             </a:extLst>
           </p:cNvPr>
@@ -14367,7 +14549,7 @@
           <p:cNvPr id="41" name="TextBox 40">
             <a:extLst>
               <a:ext uri="{FF2B5EF4-FFF2-40B4-BE49-F238E27FC236}">
-                <a16:creationId xmlns="" xmlns:a16="http://schemas.microsoft.com/office/drawing/2014/main" id="{6ECBB3D4-2156-4986-9434-EA8F60CE59E0}"/>
+                <a16:creationId xmlns:a16="http://schemas.microsoft.com/office/drawing/2014/main" xmlns="" id="{6ECBB3D4-2156-4986-9434-EA8F60CE59E0}"/>
               </a:ext>
             </a:extLst>
           </p:cNvPr>
@@ -14403,7 +14585,7 @@
           <p:cNvPr id="42" name="직선 연결선 41">
             <a:extLst>
               <a:ext uri="{FF2B5EF4-FFF2-40B4-BE49-F238E27FC236}">
-                <a16:creationId xmlns="" xmlns:a16="http://schemas.microsoft.com/office/drawing/2014/main" id="{A723CFAC-181E-4ABB-8790-FEC42B087A83}"/>
+                <a16:creationId xmlns:a16="http://schemas.microsoft.com/office/drawing/2014/main" xmlns="" id="{A723CFAC-181E-4ABB-8790-FEC42B087A83}"/>
               </a:ext>
             </a:extLst>
           </p:cNvPr>
@@ -14439,7 +14621,7 @@
           <p:cNvPr id="45" name="TextBox 44">
             <a:extLst>
               <a:ext uri="{FF2B5EF4-FFF2-40B4-BE49-F238E27FC236}">
-                <a16:creationId xmlns="" xmlns:a16="http://schemas.microsoft.com/office/drawing/2014/main" id="{78ADDD66-9CDE-4CA6-938D-D34562AC7F09}"/>
+                <a16:creationId xmlns:a16="http://schemas.microsoft.com/office/drawing/2014/main" xmlns="" id="{78ADDD66-9CDE-4CA6-938D-D34562AC7F09}"/>
               </a:ext>
             </a:extLst>
           </p:cNvPr>
@@ -14475,7 +14657,7 @@
           <p:cNvPr id="48" name="직사각형 47">
             <a:extLst>
               <a:ext uri="{FF2B5EF4-FFF2-40B4-BE49-F238E27FC236}">
-                <a16:creationId xmlns="" xmlns:a16="http://schemas.microsoft.com/office/drawing/2014/main" id="{2DD24BCC-FCE6-4F3D-9102-0338A277724E}"/>
+                <a16:creationId xmlns:a16="http://schemas.microsoft.com/office/drawing/2014/main" xmlns="" id="{2DD24BCC-FCE6-4F3D-9102-0338A277724E}"/>
               </a:ext>
             </a:extLst>
           </p:cNvPr>
@@ -14529,7 +14711,7 @@
           <p:cNvPr id="49" name="직사각형 48">
             <a:extLst>
               <a:ext uri="{FF2B5EF4-FFF2-40B4-BE49-F238E27FC236}">
-                <a16:creationId xmlns="" xmlns:a16="http://schemas.microsoft.com/office/drawing/2014/main" id="{D47A0DF5-CA84-4554-81E3-2D51D35F259C}"/>
+                <a16:creationId xmlns:a16="http://schemas.microsoft.com/office/drawing/2014/main" xmlns="" id="{D47A0DF5-CA84-4554-81E3-2D51D35F259C}"/>
               </a:ext>
             </a:extLst>
           </p:cNvPr>
@@ -14583,7 +14765,7 @@
           <p:cNvPr id="50" name="직선 연결선 49">
             <a:extLst>
               <a:ext uri="{FF2B5EF4-FFF2-40B4-BE49-F238E27FC236}">
-                <a16:creationId xmlns="" xmlns:a16="http://schemas.microsoft.com/office/drawing/2014/main" id="{BBD31C63-515F-4941-8A12-DD68C1031400}"/>
+                <a16:creationId xmlns:a16="http://schemas.microsoft.com/office/drawing/2014/main" xmlns="" id="{BBD31C63-515F-4941-8A12-DD68C1031400}"/>
               </a:ext>
             </a:extLst>
           </p:cNvPr>
@@ -14624,7 +14806,7 @@
           <p:cNvPr id="51" name="직선 화살표 연결선 50">
             <a:extLst>
               <a:ext uri="{FF2B5EF4-FFF2-40B4-BE49-F238E27FC236}">
-                <a16:creationId xmlns="" xmlns:a16="http://schemas.microsoft.com/office/drawing/2014/main" id="{C6189FF7-B2B4-4F58-A62C-4552AA855088}"/>
+                <a16:creationId xmlns:a16="http://schemas.microsoft.com/office/drawing/2014/main" xmlns="" id="{C6189FF7-B2B4-4F58-A62C-4552AA855088}"/>
               </a:ext>
             </a:extLst>
           </p:cNvPr>
@@ -14668,7 +14850,7 @@
           <p:cNvPr id="53" name="직선 화살표 연결선 52">
             <a:extLst>
               <a:ext uri="{FF2B5EF4-FFF2-40B4-BE49-F238E27FC236}">
-                <a16:creationId xmlns="" xmlns:a16="http://schemas.microsoft.com/office/drawing/2014/main" id="{6ADB57C1-71A6-460D-8130-56C2C112542B}"/>
+                <a16:creationId xmlns:a16="http://schemas.microsoft.com/office/drawing/2014/main" xmlns="" id="{6ADB57C1-71A6-460D-8130-56C2C112542B}"/>
               </a:ext>
             </a:extLst>
           </p:cNvPr>
@@ -14712,7 +14894,7 @@
           <p:cNvPr id="54" name="TextBox 53">
             <a:extLst>
               <a:ext uri="{FF2B5EF4-FFF2-40B4-BE49-F238E27FC236}">
-                <a16:creationId xmlns="" xmlns:a16="http://schemas.microsoft.com/office/drawing/2014/main" id="{CDE1AA9D-8128-4666-8D15-1D04133230F9}"/>
+                <a16:creationId xmlns:a16="http://schemas.microsoft.com/office/drawing/2014/main" xmlns="" id="{CDE1AA9D-8128-4666-8D15-1D04133230F9}"/>
               </a:ext>
             </a:extLst>
           </p:cNvPr>
@@ -14748,7 +14930,7 @@
           <p:cNvPr id="56" name="TextBox 55">
             <a:extLst>
               <a:ext uri="{FF2B5EF4-FFF2-40B4-BE49-F238E27FC236}">
-                <a16:creationId xmlns="" xmlns:a16="http://schemas.microsoft.com/office/drawing/2014/main" id="{9CCCD44E-9A9A-4ED8-A5D1-4872F5E16D21}"/>
+                <a16:creationId xmlns:a16="http://schemas.microsoft.com/office/drawing/2014/main" xmlns="" id="{9CCCD44E-9A9A-4ED8-A5D1-4872F5E16D21}"/>
               </a:ext>
             </a:extLst>
           </p:cNvPr>
@@ -14861,7 +15043,7 @@
           <p:cNvPr id="52" name="TextBox 51">
             <a:extLst>
               <a:ext uri="{FF2B5EF4-FFF2-40B4-BE49-F238E27FC236}">
-                <a16:creationId xmlns="" xmlns:a16="http://schemas.microsoft.com/office/drawing/2014/main" id="{B59EE5C3-D579-4CF1-BDF9-7E364B23D4EE}"/>
+                <a16:creationId xmlns:a16="http://schemas.microsoft.com/office/drawing/2014/main" xmlns="" id="{B59EE5C3-D579-4CF1-BDF9-7E364B23D4EE}"/>
               </a:ext>
             </a:extLst>
           </p:cNvPr>
@@ -14901,7 +15083,7 @@
           <p:cNvPr id="79" name="직사각형 78">
             <a:extLst>
               <a:ext uri="{FF2B5EF4-FFF2-40B4-BE49-F238E27FC236}">
-                <a16:creationId xmlns="" xmlns:a16="http://schemas.microsoft.com/office/drawing/2014/main" id="{CB5C1986-20DE-450C-8EEE-D8BEE2F850C6}"/>
+                <a16:creationId xmlns:a16="http://schemas.microsoft.com/office/drawing/2014/main" xmlns="" id="{CB5C1986-20DE-450C-8EEE-D8BEE2F850C6}"/>
               </a:ext>
             </a:extLst>
           </p:cNvPr>
@@ -14949,7 +15131,7 @@
           <p:cNvPr id="80" name="직사각형 79">
             <a:extLst>
               <a:ext uri="{FF2B5EF4-FFF2-40B4-BE49-F238E27FC236}">
-                <a16:creationId xmlns="" xmlns:a16="http://schemas.microsoft.com/office/drawing/2014/main" id="{48C9AC18-6F8F-4CAC-A71D-F832DC910868}"/>
+                <a16:creationId xmlns:a16="http://schemas.microsoft.com/office/drawing/2014/main" xmlns="" id="{48C9AC18-6F8F-4CAC-A71D-F832DC910868}"/>
               </a:ext>
             </a:extLst>
           </p:cNvPr>
@@ -14996,7 +15178,7 @@
           <p:cNvPr id="43" name="직사각형 42">
             <a:extLst>
               <a:ext uri="{FF2B5EF4-FFF2-40B4-BE49-F238E27FC236}">
-                <a16:creationId xmlns="" xmlns:a16="http://schemas.microsoft.com/office/drawing/2014/main" id="{CB5C1986-20DE-450C-8EEE-D8BEE2F850C6}"/>
+                <a16:creationId xmlns:a16="http://schemas.microsoft.com/office/drawing/2014/main" xmlns="" id="{CB5C1986-20DE-450C-8EEE-D8BEE2F850C6}"/>
               </a:ext>
             </a:extLst>
           </p:cNvPr>
@@ -15040,7 +15222,7 @@
           <p:cNvPr id="85" name="직사각형 84">
             <a:extLst>
               <a:ext uri="{FF2B5EF4-FFF2-40B4-BE49-F238E27FC236}">
-                <a16:creationId xmlns="" xmlns:a16="http://schemas.microsoft.com/office/drawing/2014/main" id="{48C9AC18-6F8F-4CAC-A71D-F832DC910868}"/>
+                <a16:creationId xmlns:a16="http://schemas.microsoft.com/office/drawing/2014/main" xmlns="" id="{48C9AC18-6F8F-4CAC-A71D-F832DC910868}"/>
               </a:ext>
             </a:extLst>
           </p:cNvPr>
@@ -15088,7 +15270,7 @@
           <p:cNvPr id="67" name="직사각형 66">
             <a:extLst>
               <a:ext uri="{FF2B5EF4-FFF2-40B4-BE49-F238E27FC236}">
-                <a16:creationId xmlns="" xmlns:a16="http://schemas.microsoft.com/office/drawing/2014/main" id="{48C9AC18-6F8F-4CAC-A71D-F832DC910868}"/>
+                <a16:creationId xmlns:a16="http://schemas.microsoft.com/office/drawing/2014/main" xmlns="" id="{48C9AC18-6F8F-4CAC-A71D-F832DC910868}"/>
               </a:ext>
             </a:extLst>
           </p:cNvPr>
@@ -15135,7 +15317,7 @@
           <p:cNvPr id="68" name="직사각형 67">
             <a:extLst>
               <a:ext uri="{FF2B5EF4-FFF2-40B4-BE49-F238E27FC236}">
-                <a16:creationId xmlns="" xmlns:a16="http://schemas.microsoft.com/office/drawing/2014/main" id="{48C9AC18-6F8F-4CAC-A71D-F832DC910868}"/>
+                <a16:creationId xmlns:a16="http://schemas.microsoft.com/office/drawing/2014/main" xmlns="" id="{48C9AC18-6F8F-4CAC-A71D-F832DC910868}"/>
               </a:ext>
             </a:extLst>
           </p:cNvPr>
@@ -15183,7 +15365,7 @@
           <p:cNvPr id="55" name="직사각형 54">
             <a:extLst>
               <a:ext uri="{FF2B5EF4-FFF2-40B4-BE49-F238E27FC236}">
-                <a16:creationId xmlns="" xmlns:a16="http://schemas.microsoft.com/office/drawing/2014/main" id="{48C9AC18-6F8F-4CAC-A71D-F832DC910868}"/>
+                <a16:creationId xmlns:a16="http://schemas.microsoft.com/office/drawing/2014/main" xmlns="" id="{48C9AC18-6F8F-4CAC-A71D-F832DC910868}"/>
               </a:ext>
             </a:extLst>
           </p:cNvPr>
@@ -15231,7 +15413,7 @@
           <p:cNvPr id="70" name="직사각형 69">
             <a:extLst>
               <a:ext uri="{FF2B5EF4-FFF2-40B4-BE49-F238E27FC236}">
-                <a16:creationId xmlns="" xmlns:a16="http://schemas.microsoft.com/office/drawing/2014/main" id="{48C9AC18-6F8F-4CAC-A71D-F832DC910868}"/>
+                <a16:creationId xmlns:a16="http://schemas.microsoft.com/office/drawing/2014/main" xmlns="" id="{48C9AC18-6F8F-4CAC-A71D-F832DC910868}"/>
               </a:ext>
             </a:extLst>
           </p:cNvPr>
@@ -15316,7 +15498,7 @@
           <p:cNvPr id="2" name="직사각형 1">
             <a:extLst>
               <a:ext uri="{FF2B5EF4-FFF2-40B4-BE49-F238E27FC236}">
-                <a16:creationId xmlns="" xmlns:a16="http://schemas.microsoft.com/office/drawing/2014/main" id="{8E5B996D-DF87-49E5-95D1-45B1EEB9EE9A}"/>
+                <a16:creationId xmlns:a16="http://schemas.microsoft.com/office/drawing/2014/main" xmlns="" id="{8E5B996D-DF87-49E5-95D1-45B1EEB9EE9A}"/>
               </a:ext>
             </a:extLst>
           </p:cNvPr>
@@ -15368,7 +15550,7 @@
           <p:cNvPr id="4" name="직사각형 3">
             <a:extLst>
               <a:ext uri="{FF2B5EF4-FFF2-40B4-BE49-F238E27FC236}">
-                <a16:creationId xmlns="" xmlns:a16="http://schemas.microsoft.com/office/drawing/2014/main" id="{080CEE4E-4BCA-42C3-BECA-9BCEB9931EEA}"/>
+                <a16:creationId xmlns:a16="http://schemas.microsoft.com/office/drawing/2014/main" xmlns="" id="{080CEE4E-4BCA-42C3-BECA-9BCEB9931EEA}"/>
               </a:ext>
             </a:extLst>
           </p:cNvPr>
@@ -15420,7 +15602,7 @@
           <p:cNvPr id="5" name="TextBox 4">
             <a:extLst>
               <a:ext uri="{FF2B5EF4-FFF2-40B4-BE49-F238E27FC236}">
-                <a16:creationId xmlns="" xmlns:a16="http://schemas.microsoft.com/office/drawing/2014/main" id="{D12B0B12-AB99-4F88-B4B2-948DADC833EA}"/>
+                <a16:creationId xmlns:a16="http://schemas.microsoft.com/office/drawing/2014/main" xmlns="" id="{D12B0B12-AB99-4F88-B4B2-948DADC833EA}"/>
               </a:ext>
             </a:extLst>
           </p:cNvPr>
@@ -15539,7 +15721,7 @@
           <p:cNvPr id="9" name="그림 8">
             <a:extLst>
               <a:ext uri="{FF2B5EF4-FFF2-40B4-BE49-F238E27FC236}">
-                <a16:creationId xmlns="" xmlns:a16="http://schemas.microsoft.com/office/drawing/2014/main" id="{0F0992E8-2696-42E6-805A-0C12780D8FA1}"/>
+                <a16:creationId xmlns:a16="http://schemas.microsoft.com/office/drawing/2014/main" xmlns="" id="{0F0992E8-2696-42E6-805A-0C12780D8FA1}"/>
               </a:ext>
             </a:extLst>
           </p:cNvPr>
@@ -15903,7 +16085,7 @@
           <p:cNvPr id="14" name="직사각형 13">
             <a:extLst>
               <a:ext uri="{FF2B5EF4-FFF2-40B4-BE49-F238E27FC236}">
-                <a16:creationId xmlns="" xmlns:a16="http://schemas.microsoft.com/office/drawing/2014/main" id="{CB5C1986-20DE-450C-8EEE-D8BEE2F850C6}"/>
+                <a16:creationId xmlns:a16="http://schemas.microsoft.com/office/drawing/2014/main" xmlns="" id="{CB5C1986-20DE-450C-8EEE-D8BEE2F850C6}"/>
               </a:ext>
             </a:extLst>
           </p:cNvPr>
@@ -15951,7 +16133,7 @@
           <p:cNvPr id="40" name="TextBox 39">
             <a:extLst>
               <a:ext uri="{FF2B5EF4-FFF2-40B4-BE49-F238E27FC236}">
-                <a16:creationId xmlns="" xmlns:a16="http://schemas.microsoft.com/office/drawing/2014/main" id="{606CB3EF-BD67-454E-8D48-D30774CEE106}"/>
+                <a16:creationId xmlns:a16="http://schemas.microsoft.com/office/drawing/2014/main" xmlns="" id="{606CB3EF-BD67-454E-8D48-D30774CEE106}"/>
               </a:ext>
             </a:extLst>
           </p:cNvPr>
@@ -15987,7 +16169,7 @@
           <p:cNvPr id="41" name="TextBox 40">
             <a:extLst>
               <a:ext uri="{FF2B5EF4-FFF2-40B4-BE49-F238E27FC236}">
-                <a16:creationId xmlns="" xmlns:a16="http://schemas.microsoft.com/office/drawing/2014/main" id="{6ECBB3D4-2156-4986-9434-EA8F60CE59E0}"/>
+                <a16:creationId xmlns:a16="http://schemas.microsoft.com/office/drawing/2014/main" xmlns="" id="{6ECBB3D4-2156-4986-9434-EA8F60CE59E0}"/>
               </a:ext>
             </a:extLst>
           </p:cNvPr>
@@ -16023,7 +16205,7 @@
           <p:cNvPr id="42" name="직선 연결선 41">
             <a:extLst>
               <a:ext uri="{FF2B5EF4-FFF2-40B4-BE49-F238E27FC236}">
-                <a16:creationId xmlns="" xmlns:a16="http://schemas.microsoft.com/office/drawing/2014/main" id="{A723CFAC-181E-4ABB-8790-FEC42B087A83}"/>
+                <a16:creationId xmlns:a16="http://schemas.microsoft.com/office/drawing/2014/main" xmlns="" id="{A723CFAC-181E-4ABB-8790-FEC42B087A83}"/>
               </a:ext>
             </a:extLst>
           </p:cNvPr>
@@ -16059,7 +16241,7 @@
           <p:cNvPr id="45" name="TextBox 44">
             <a:extLst>
               <a:ext uri="{FF2B5EF4-FFF2-40B4-BE49-F238E27FC236}">
-                <a16:creationId xmlns="" xmlns:a16="http://schemas.microsoft.com/office/drawing/2014/main" id="{78ADDD66-9CDE-4CA6-938D-D34562AC7F09}"/>
+                <a16:creationId xmlns:a16="http://schemas.microsoft.com/office/drawing/2014/main" xmlns="" id="{78ADDD66-9CDE-4CA6-938D-D34562AC7F09}"/>
               </a:ext>
             </a:extLst>
           </p:cNvPr>
@@ -16095,7 +16277,7 @@
           <p:cNvPr id="48" name="직사각형 47">
             <a:extLst>
               <a:ext uri="{FF2B5EF4-FFF2-40B4-BE49-F238E27FC236}">
-                <a16:creationId xmlns="" xmlns:a16="http://schemas.microsoft.com/office/drawing/2014/main" id="{2DD24BCC-FCE6-4F3D-9102-0338A277724E}"/>
+                <a16:creationId xmlns:a16="http://schemas.microsoft.com/office/drawing/2014/main" xmlns="" id="{2DD24BCC-FCE6-4F3D-9102-0338A277724E}"/>
               </a:ext>
             </a:extLst>
           </p:cNvPr>
@@ -16149,7 +16331,7 @@
           <p:cNvPr id="49" name="직사각형 48">
             <a:extLst>
               <a:ext uri="{FF2B5EF4-FFF2-40B4-BE49-F238E27FC236}">
-                <a16:creationId xmlns="" xmlns:a16="http://schemas.microsoft.com/office/drawing/2014/main" id="{D47A0DF5-CA84-4554-81E3-2D51D35F259C}"/>
+                <a16:creationId xmlns:a16="http://schemas.microsoft.com/office/drawing/2014/main" xmlns="" id="{D47A0DF5-CA84-4554-81E3-2D51D35F259C}"/>
               </a:ext>
             </a:extLst>
           </p:cNvPr>
@@ -16203,7 +16385,7 @@
           <p:cNvPr id="50" name="직선 연결선 49">
             <a:extLst>
               <a:ext uri="{FF2B5EF4-FFF2-40B4-BE49-F238E27FC236}">
-                <a16:creationId xmlns="" xmlns:a16="http://schemas.microsoft.com/office/drawing/2014/main" id="{BBD31C63-515F-4941-8A12-DD68C1031400}"/>
+                <a16:creationId xmlns:a16="http://schemas.microsoft.com/office/drawing/2014/main" xmlns="" id="{BBD31C63-515F-4941-8A12-DD68C1031400}"/>
               </a:ext>
             </a:extLst>
           </p:cNvPr>
@@ -16244,7 +16426,7 @@
           <p:cNvPr id="51" name="직선 화살표 연결선 50">
             <a:extLst>
               <a:ext uri="{FF2B5EF4-FFF2-40B4-BE49-F238E27FC236}">
-                <a16:creationId xmlns="" xmlns:a16="http://schemas.microsoft.com/office/drawing/2014/main" id="{C6189FF7-B2B4-4F58-A62C-4552AA855088}"/>
+                <a16:creationId xmlns:a16="http://schemas.microsoft.com/office/drawing/2014/main" xmlns="" id="{C6189FF7-B2B4-4F58-A62C-4552AA855088}"/>
               </a:ext>
             </a:extLst>
           </p:cNvPr>
@@ -16288,7 +16470,7 @@
           <p:cNvPr id="53" name="직선 화살표 연결선 52">
             <a:extLst>
               <a:ext uri="{FF2B5EF4-FFF2-40B4-BE49-F238E27FC236}">
-                <a16:creationId xmlns="" xmlns:a16="http://schemas.microsoft.com/office/drawing/2014/main" id="{6ADB57C1-71A6-460D-8130-56C2C112542B}"/>
+                <a16:creationId xmlns:a16="http://schemas.microsoft.com/office/drawing/2014/main" xmlns="" id="{6ADB57C1-71A6-460D-8130-56C2C112542B}"/>
               </a:ext>
             </a:extLst>
           </p:cNvPr>
@@ -16332,7 +16514,7 @@
           <p:cNvPr id="54" name="TextBox 53">
             <a:extLst>
               <a:ext uri="{FF2B5EF4-FFF2-40B4-BE49-F238E27FC236}">
-                <a16:creationId xmlns="" xmlns:a16="http://schemas.microsoft.com/office/drawing/2014/main" id="{CDE1AA9D-8128-4666-8D15-1D04133230F9}"/>
+                <a16:creationId xmlns:a16="http://schemas.microsoft.com/office/drawing/2014/main" xmlns="" id="{CDE1AA9D-8128-4666-8D15-1D04133230F9}"/>
               </a:ext>
             </a:extLst>
           </p:cNvPr>
@@ -16368,7 +16550,7 @@
           <p:cNvPr id="56" name="TextBox 55">
             <a:extLst>
               <a:ext uri="{FF2B5EF4-FFF2-40B4-BE49-F238E27FC236}">
-                <a16:creationId xmlns="" xmlns:a16="http://schemas.microsoft.com/office/drawing/2014/main" id="{9CCCD44E-9A9A-4ED8-A5D1-4872F5E16D21}"/>
+                <a16:creationId xmlns:a16="http://schemas.microsoft.com/office/drawing/2014/main" xmlns="" id="{9CCCD44E-9A9A-4ED8-A5D1-4872F5E16D21}"/>
               </a:ext>
             </a:extLst>
           </p:cNvPr>
@@ -16481,7 +16663,7 @@
           <p:cNvPr id="52" name="TextBox 51">
             <a:extLst>
               <a:ext uri="{FF2B5EF4-FFF2-40B4-BE49-F238E27FC236}">
-                <a16:creationId xmlns="" xmlns:a16="http://schemas.microsoft.com/office/drawing/2014/main" id="{B59EE5C3-D579-4CF1-BDF9-7E364B23D4EE}"/>
+                <a16:creationId xmlns:a16="http://schemas.microsoft.com/office/drawing/2014/main" xmlns="" id="{B59EE5C3-D579-4CF1-BDF9-7E364B23D4EE}"/>
               </a:ext>
             </a:extLst>
           </p:cNvPr>
@@ -16521,7 +16703,7 @@
           <p:cNvPr id="79" name="직사각형 78">
             <a:extLst>
               <a:ext uri="{FF2B5EF4-FFF2-40B4-BE49-F238E27FC236}">
-                <a16:creationId xmlns="" xmlns:a16="http://schemas.microsoft.com/office/drawing/2014/main" id="{CB5C1986-20DE-450C-8EEE-D8BEE2F850C6}"/>
+                <a16:creationId xmlns:a16="http://schemas.microsoft.com/office/drawing/2014/main" xmlns="" id="{CB5C1986-20DE-450C-8EEE-D8BEE2F850C6}"/>
               </a:ext>
             </a:extLst>
           </p:cNvPr>
@@ -16569,7 +16751,7 @@
           <p:cNvPr id="85" name="직사각형 84">
             <a:extLst>
               <a:ext uri="{FF2B5EF4-FFF2-40B4-BE49-F238E27FC236}">
-                <a16:creationId xmlns="" xmlns:a16="http://schemas.microsoft.com/office/drawing/2014/main" id="{48C9AC18-6F8F-4CAC-A71D-F832DC910868}"/>
+                <a16:creationId xmlns:a16="http://schemas.microsoft.com/office/drawing/2014/main" xmlns="" id="{48C9AC18-6F8F-4CAC-A71D-F832DC910868}"/>
               </a:ext>
             </a:extLst>
           </p:cNvPr>
@@ -16617,7 +16799,7 @@
           <p:cNvPr id="68" name="직사각형 67">
             <a:extLst>
               <a:ext uri="{FF2B5EF4-FFF2-40B4-BE49-F238E27FC236}">
-                <a16:creationId xmlns="" xmlns:a16="http://schemas.microsoft.com/office/drawing/2014/main" id="{48C9AC18-6F8F-4CAC-A71D-F832DC910868}"/>
+                <a16:creationId xmlns:a16="http://schemas.microsoft.com/office/drawing/2014/main" xmlns="" id="{48C9AC18-6F8F-4CAC-A71D-F832DC910868}"/>
               </a:ext>
             </a:extLst>
           </p:cNvPr>
@@ -16665,7 +16847,7 @@
           <p:cNvPr id="55" name="직사각형 54">
             <a:extLst>
               <a:ext uri="{FF2B5EF4-FFF2-40B4-BE49-F238E27FC236}">
-                <a16:creationId xmlns="" xmlns:a16="http://schemas.microsoft.com/office/drawing/2014/main" id="{48C9AC18-6F8F-4CAC-A71D-F832DC910868}"/>
+                <a16:creationId xmlns:a16="http://schemas.microsoft.com/office/drawing/2014/main" xmlns="" id="{48C9AC18-6F8F-4CAC-A71D-F832DC910868}"/>
               </a:ext>
             </a:extLst>
           </p:cNvPr>
@@ -16713,7 +16895,7 @@
           <p:cNvPr id="70" name="직사각형 69">
             <a:extLst>
               <a:ext uri="{FF2B5EF4-FFF2-40B4-BE49-F238E27FC236}">
-                <a16:creationId xmlns="" xmlns:a16="http://schemas.microsoft.com/office/drawing/2014/main" id="{48C9AC18-6F8F-4CAC-A71D-F832DC910868}"/>
+                <a16:creationId xmlns:a16="http://schemas.microsoft.com/office/drawing/2014/main" xmlns="" id="{48C9AC18-6F8F-4CAC-A71D-F832DC910868}"/>
               </a:ext>
             </a:extLst>
           </p:cNvPr>
@@ -16761,7 +16943,7 @@
           <p:cNvPr id="33" name="TextBox 32">
             <a:extLst>
               <a:ext uri="{FF2B5EF4-FFF2-40B4-BE49-F238E27FC236}">
-                <a16:creationId xmlns="" xmlns:a16="http://schemas.microsoft.com/office/drawing/2014/main" id="{B59EE5C3-D579-4CF1-BDF9-7E364B23D4EE}"/>
+                <a16:creationId xmlns:a16="http://schemas.microsoft.com/office/drawing/2014/main" xmlns="" id="{B59EE5C3-D579-4CF1-BDF9-7E364B23D4EE}"/>
               </a:ext>
             </a:extLst>
           </p:cNvPr>
@@ -17165,7 +17347,7 @@
   <a:extraClrSchemeLst/>
   <a:extLst>
     <a:ext uri="{05A4C25C-085E-4340-85A3-A5531E510DB2}">
-      <thm15:themeFamily xmlns="" xmlns:thm15="http://schemas.microsoft.com/office/thememl/2012/main" name="Office Theme" id="{62F939B6-93AF-4DB8-9C6B-D6C7DFDC589F}" vid="{4A3C46E8-61CC-4603-A589-7422A47A8E4A}"/>
+      <thm15:themeFamily xmlns:thm15="http://schemas.microsoft.com/office/thememl/2012/main" xmlns="" name="Office Theme" id="{62F939B6-93AF-4DB8-9C6B-D6C7DFDC589F}" vid="{4A3C46E8-61CC-4603-A589-7422A47A8E4A}"/>
     </a:ext>
   </a:extLst>
 </a:theme>
